--- a/Write-ups/FinalPresentation.pptx
+++ b/Write-ups/FinalPresentation.pptx
@@ -288,7 +288,7 @@
           <a:p>
             <a:fld id="{C4EEF32B-FBB3-0645-BD71-292A30FC7C81}" type="datetimeFigureOut">
               <a:rPr lang="en-US" smtClean="0"/>
-              <a:t>11/15/14</a:t>
+              <a:t>11/17/2014</a:t>
             </a:fld>
             <a:endParaRPr lang="en-US"/>
           </a:p>
@@ -458,7 +458,7 @@
           <a:p>
             <a:fld id="{C4EEF32B-FBB3-0645-BD71-292A30FC7C81}" type="datetimeFigureOut">
               <a:rPr lang="en-US" smtClean="0"/>
-              <a:t>11/15/14</a:t>
+              <a:t>11/17/2014</a:t>
             </a:fld>
             <a:endParaRPr lang="en-US"/>
           </a:p>
@@ -638,7 +638,7 @@
           <a:p>
             <a:fld id="{C4EEF32B-FBB3-0645-BD71-292A30FC7C81}" type="datetimeFigureOut">
               <a:rPr lang="en-US" smtClean="0"/>
-              <a:t>11/15/14</a:t>
+              <a:t>11/17/2014</a:t>
             </a:fld>
             <a:endParaRPr lang="en-US"/>
           </a:p>
@@ -808,7 +808,7 @@
           <a:p>
             <a:fld id="{C4EEF32B-FBB3-0645-BD71-292A30FC7C81}" type="datetimeFigureOut">
               <a:rPr lang="en-US" smtClean="0"/>
-              <a:t>11/15/14</a:t>
+              <a:t>11/17/2014</a:t>
             </a:fld>
             <a:endParaRPr lang="en-US"/>
           </a:p>
@@ -1054,7 +1054,7 @@
           <a:p>
             <a:fld id="{C4EEF32B-FBB3-0645-BD71-292A30FC7C81}" type="datetimeFigureOut">
               <a:rPr lang="en-US" smtClean="0"/>
-              <a:t>11/15/14</a:t>
+              <a:t>11/17/2014</a:t>
             </a:fld>
             <a:endParaRPr lang="en-US"/>
           </a:p>
@@ -1342,7 +1342,7 @@
           <a:p>
             <a:fld id="{C4EEF32B-FBB3-0645-BD71-292A30FC7C81}" type="datetimeFigureOut">
               <a:rPr lang="en-US" smtClean="0"/>
-              <a:t>11/15/14</a:t>
+              <a:t>11/17/2014</a:t>
             </a:fld>
             <a:endParaRPr lang="en-US"/>
           </a:p>
@@ -1764,7 +1764,7 @@
           <a:p>
             <a:fld id="{C4EEF32B-FBB3-0645-BD71-292A30FC7C81}" type="datetimeFigureOut">
               <a:rPr lang="en-US" smtClean="0"/>
-              <a:t>11/15/14</a:t>
+              <a:t>11/17/2014</a:t>
             </a:fld>
             <a:endParaRPr lang="en-US"/>
           </a:p>
@@ -1882,7 +1882,7 @@
           <a:p>
             <a:fld id="{C4EEF32B-FBB3-0645-BD71-292A30FC7C81}" type="datetimeFigureOut">
               <a:rPr lang="en-US" smtClean="0"/>
-              <a:t>11/15/14</a:t>
+              <a:t>11/17/2014</a:t>
             </a:fld>
             <a:endParaRPr lang="en-US"/>
           </a:p>
@@ -1977,7 +1977,7 @@
           <a:p>
             <a:fld id="{C4EEF32B-FBB3-0645-BD71-292A30FC7C81}" type="datetimeFigureOut">
               <a:rPr lang="en-US" smtClean="0"/>
-              <a:t>11/15/14</a:t>
+              <a:t>11/17/2014</a:t>
             </a:fld>
             <a:endParaRPr lang="en-US"/>
           </a:p>
@@ -2254,7 +2254,7 @@
           <a:p>
             <a:fld id="{C4EEF32B-FBB3-0645-BD71-292A30FC7C81}" type="datetimeFigureOut">
               <a:rPr lang="en-US" smtClean="0"/>
-              <a:t>11/15/14</a:t>
+              <a:t>11/17/2014</a:t>
             </a:fld>
             <a:endParaRPr lang="en-US"/>
           </a:p>
@@ -2507,7 +2507,7 @@
           <a:p>
             <a:fld id="{C4EEF32B-FBB3-0645-BD71-292A30FC7C81}" type="datetimeFigureOut">
               <a:rPr lang="en-US" smtClean="0"/>
-              <a:t>11/15/14</a:t>
+              <a:t>11/17/2014</a:t>
             </a:fld>
             <a:endParaRPr lang="en-US"/>
           </a:p>
@@ -2720,7 +2720,7 @@
           <a:p>
             <a:fld id="{C4EEF32B-FBB3-0645-BD71-292A30FC7C81}" type="datetimeFigureOut">
               <a:rPr lang="en-US" smtClean="0"/>
-              <a:t>11/15/14</a:t>
+              <a:t>11/17/2014</a:t>
             </a:fld>
             <a:endParaRPr lang="en-US"/>
           </a:p>
@@ -3095,2701 +3095,2740 @@
           <a:chExt cx="0" cy="0"/>
         </a:xfrm>
       </p:grpSpPr>
-      <p:sp>
-        <p:nvSpPr>
-          <p:cNvPr id="4" name="Oval 3"/>
-          <p:cNvSpPr/>
+      <p:grpSp>
+        <p:nvGrpSpPr>
+          <p:cNvPr id="13" name="Group 12"/>
+          <p:cNvGrpSpPr/>
           <p:nvPr/>
-        </p:nvSpPr>
-        <p:spPr>
+        </p:nvGrpSpPr>
+        <p:grpSpPr>
           <a:xfrm>
-            <a:off x="2833848" y="2949306"/>
-            <a:ext cx="265145" cy="265145"/>
+            <a:off x="0" y="1294881"/>
+            <a:ext cx="9491338" cy="4910511"/>
+            <a:chOff x="0" y="1294881"/>
+            <a:chExt cx="9491338" cy="4910511"/>
           </a:xfrm>
-          <a:prstGeom prst="ellipse">
-            <a:avLst/>
-          </a:prstGeom>
-        </p:spPr>
-        <p:style>
-          <a:lnRef idx="1">
-            <a:schemeClr val="accent1"/>
-          </a:lnRef>
-          <a:fillRef idx="3">
-            <a:schemeClr val="accent1"/>
-          </a:fillRef>
-          <a:effectRef idx="2">
-            <a:schemeClr val="accent1"/>
-          </a:effectRef>
-          <a:fontRef idx="minor">
-            <a:schemeClr val="lt1"/>
-          </a:fontRef>
-        </p:style>
-        <p:txBody>
-          <a:bodyPr rtlCol="0" anchor="ctr"/>
-          <a:lstStyle/>
-          <a:p>
-            <a:pPr algn="ctr"/>
-            <a:endParaRPr lang="en-US"/>
-          </a:p>
-        </p:txBody>
-      </p:sp>
-      <p:sp>
-        <p:nvSpPr>
-          <p:cNvPr id="5" name="Oval 4"/>
-          <p:cNvSpPr/>
-          <p:nvPr/>
-        </p:nvSpPr>
-        <p:spPr>
-          <a:xfrm>
-            <a:off x="3098993" y="3220287"/>
-            <a:ext cx="265145" cy="265145"/>
-          </a:xfrm>
-          <a:prstGeom prst="ellipse">
-            <a:avLst/>
-          </a:prstGeom>
-        </p:spPr>
-        <p:style>
-          <a:lnRef idx="1">
-            <a:schemeClr val="accent1"/>
-          </a:lnRef>
-          <a:fillRef idx="3">
-            <a:schemeClr val="accent1"/>
-          </a:fillRef>
-          <a:effectRef idx="2">
-            <a:schemeClr val="accent1"/>
-          </a:effectRef>
-          <a:fontRef idx="minor">
-            <a:schemeClr val="lt1"/>
-          </a:fontRef>
-        </p:style>
-        <p:txBody>
-          <a:bodyPr rtlCol="0" anchor="ctr"/>
-          <a:lstStyle/>
-          <a:p>
-            <a:pPr algn="ctr"/>
-            <a:endParaRPr lang="en-US"/>
-          </a:p>
-        </p:txBody>
-      </p:sp>
-      <p:sp>
-        <p:nvSpPr>
-          <p:cNvPr id="6" name="Oval 5"/>
-          <p:cNvSpPr/>
-          <p:nvPr/>
-        </p:nvSpPr>
-        <p:spPr>
-          <a:xfrm>
-            <a:off x="3364138" y="3485397"/>
-            <a:ext cx="265145" cy="265145"/>
-          </a:xfrm>
-          <a:prstGeom prst="ellipse">
-            <a:avLst/>
-          </a:prstGeom>
-        </p:spPr>
-        <p:style>
-          <a:lnRef idx="1">
-            <a:schemeClr val="accent1"/>
-          </a:lnRef>
-          <a:fillRef idx="3">
-            <a:schemeClr val="accent1"/>
-          </a:fillRef>
-          <a:effectRef idx="2">
-            <a:schemeClr val="accent1"/>
-          </a:effectRef>
-          <a:fontRef idx="minor">
-            <a:schemeClr val="lt1"/>
-          </a:fontRef>
-        </p:style>
-        <p:txBody>
-          <a:bodyPr rtlCol="0" anchor="ctr"/>
-          <a:lstStyle/>
-          <a:p>
-            <a:pPr algn="ctr"/>
-            <a:endParaRPr lang="en-US"/>
-          </a:p>
-        </p:txBody>
-      </p:sp>
-      <p:sp>
-        <p:nvSpPr>
-          <p:cNvPr id="7" name="Oval 6"/>
-          <p:cNvSpPr/>
-          <p:nvPr/>
-        </p:nvSpPr>
-        <p:spPr>
-          <a:xfrm>
-            <a:off x="3629283" y="3750507"/>
-            <a:ext cx="265145" cy="265145"/>
-          </a:xfrm>
-          <a:prstGeom prst="ellipse">
-            <a:avLst/>
-          </a:prstGeom>
-        </p:spPr>
-        <p:style>
-          <a:lnRef idx="1">
-            <a:schemeClr val="accent1"/>
-          </a:lnRef>
-          <a:fillRef idx="3">
-            <a:schemeClr val="accent1"/>
-          </a:fillRef>
-          <a:effectRef idx="2">
-            <a:schemeClr val="accent1"/>
-          </a:effectRef>
-          <a:fontRef idx="minor">
-            <a:schemeClr val="lt1"/>
-          </a:fontRef>
-        </p:style>
-        <p:txBody>
-          <a:bodyPr rtlCol="0" anchor="ctr"/>
-          <a:lstStyle/>
-          <a:p>
-            <a:pPr algn="ctr"/>
-            <a:endParaRPr lang="en-US"/>
-          </a:p>
-        </p:txBody>
-      </p:sp>
-      <p:sp>
-        <p:nvSpPr>
-          <p:cNvPr id="8" name="Oval 7"/>
-          <p:cNvSpPr/>
-          <p:nvPr/>
-        </p:nvSpPr>
-        <p:spPr>
-          <a:xfrm>
-            <a:off x="1783733" y="3516658"/>
-            <a:ext cx="265145" cy="265145"/>
-          </a:xfrm>
-          <a:prstGeom prst="ellipse">
-            <a:avLst/>
-          </a:prstGeom>
-        </p:spPr>
-        <p:style>
-          <a:lnRef idx="1">
-            <a:schemeClr val="accent1"/>
-          </a:lnRef>
-          <a:fillRef idx="3">
-            <a:schemeClr val="accent1"/>
-          </a:fillRef>
-          <a:effectRef idx="2">
-            <a:schemeClr val="accent1"/>
-          </a:effectRef>
-          <a:fontRef idx="minor">
-            <a:schemeClr val="lt1"/>
-          </a:fontRef>
-        </p:style>
-        <p:txBody>
-          <a:bodyPr rtlCol="0" anchor="ctr"/>
-          <a:lstStyle/>
-          <a:p>
-            <a:pPr algn="ctr"/>
-            <a:endParaRPr lang="en-US"/>
-          </a:p>
-        </p:txBody>
-      </p:sp>
-      <p:sp>
-        <p:nvSpPr>
-          <p:cNvPr id="9" name="Oval 8"/>
-          <p:cNvSpPr/>
-          <p:nvPr/>
-        </p:nvSpPr>
-        <p:spPr>
-          <a:xfrm>
-            <a:off x="5135315" y="2969133"/>
-            <a:ext cx="265145" cy="265145"/>
-          </a:xfrm>
-          <a:prstGeom prst="ellipse">
-            <a:avLst/>
-          </a:prstGeom>
-        </p:spPr>
-        <p:style>
-          <a:lnRef idx="1">
-            <a:schemeClr val="accent1"/>
-          </a:lnRef>
-          <a:fillRef idx="3">
-            <a:schemeClr val="accent1"/>
-          </a:fillRef>
-          <a:effectRef idx="2">
-            <a:schemeClr val="accent1"/>
-          </a:effectRef>
-          <a:fontRef idx="minor">
-            <a:schemeClr val="lt1"/>
-          </a:fontRef>
-        </p:style>
-        <p:txBody>
-          <a:bodyPr rtlCol="0" anchor="ctr"/>
-          <a:lstStyle/>
-          <a:p>
-            <a:pPr algn="ctr"/>
-            <a:endParaRPr lang="en-US"/>
-          </a:p>
-        </p:txBody>
-      </p:sp>
-      <p:sp>
-        <p:nvSpPr>
-          <p:cNvPr id="10" name="Oval 9"/>
-          <p:cNvSpPr/>
-          <p:nvPr/>
-        </p:nvSpPr>
-        <p:spPr>
-          <a:xfrm>
-            <a:off x="5400460" y="3240114"/>
-            <a:ext cx="265145" cy="265145"/>
-          </a:xfrm>
-          <a:prstGeom prst="ellipse">
-            <a:avLst/>
-          </a:prstGeom>
-        </p:spPr>
-        <p:style>
-          <a:lnRef idx="1">
-            <a:schemeClr val="accent1"/>
-          </a:lnRef>
-          <a:fillRef idx="3">
-            <a:schemeClr val="accent1"/>
-          </a:fillRef>
-          <a:effectRef idx="2">
-            <a:schemeClr val="accent1"/>
-          </a:effectRef>
-          <a:fontRef idx="minor">
-            <a:schemeClr val="lt1"/>
-          </a:fontRef>
-        </p:style>
-        <p:txBody>
-          <a:bodyPr rtlCol="0" anchor="ctr"/>
-          <a:lstStyle/>
-          <a:p>
-            <a:pPr algn="ctr"/>
-            <a:endParaRPr lang="en-US"/>
-          </a:p>
-        </p:txBody>
-      </p:sp>
-      <p:sp>
-        <p:nvSpPr>
-          <p:cNvPr id="11" name="Oval 10"/>
-          <p:cNvSpPr/>
-          <p:nvPr/>
-        </p:nvSpPr>
-        <p:spPr>
-          <a:xfrm>
-            <a:off x="5665605" y="3505224"/>
-            <a:ext cx="265145" cy="265145"/>
-          </a:xfrm>
-          <a:prstGeom prst="ellipse">
-            <a:avLst/>
-          </a:prstGeom>
-        </p:spPr>
-        <p:style>
-          <a:lnRef idx="1">
-            <a:schemeClr val="accent1"/>
-          </a:lnRef>
-          <a:fillRef idx="3">
-            <a:schemeClr val="accent1"/>
-          </a:fillRef>
-          <a:effectRef idx="2">
-            <a:schemeClr val="accent1"/>
-          </a:effectRef>
-          <a:fontRef idx="minor">
-            <a:schemeClr val="lt1"/>
-          </a:fontRef>
-        </p:style>
-        <p:txBody>
-          <a:bodyPr rtlCol="0" anchor="ctr"/>
-          <a:lstStyle/>
-          <a:p>
-            <a:pPr algn="ctr"/>
-            <a:endParaRPr lang="en-US"/>
-          </a:p>
-        </p:txBody>
-      </p:sp>
-      <p:sp>
-        <p:nvSpPr>
-          <p:cNvPr id="12" name="Oval 11"/>
-          <p:cNvSpPr/>
-          <p:nvPr/>
-        </p:nvSpPr>
-        <p:spPr>
-          <a:xfrm>
-            <a:off x="5930750" y="3770334"/>
-            <a:ext cx="265145" cy="265145"/>
-          </a:xfrm>
-          <a:prstGeom prst="ellipse">
-            <a:avLst/>
-          </a:prstGeom>
-        </p:spPr>
-        <p:style>
-          <a:lnRef idx="1">
-            <a:schemeClr val="accent1"/>
-          </a:lnRef>
-          <a:fillRef idx="3">
-            <a:schemeClr val="accent1"/>
-          </a:fillRef>
-          <a:effectRef idx="2">
-            <a:schemeClr val="accent1"/>
-          </a:effectRef>
-          <a:fontRef idx="minor">
-            <a:schemeClr val="lt1"/>
-          </a:fontRef>
-        </p:style>
-        <p:txBody>
-          <a:bodyPr rtlCol="0" anchor="ctr"/>
-          <a:lstStyle/>
-          <a:p>
-            <a:pPr algn="ctr"/>
-            <a:endParaRPr lang="en-US"/>
-          </a:p>
-        </p:txBody>
-      </p:sp>
-      <p:cxnSp>
-        <p:nvCxnSpPr>
-          <p:cNvPr id="31" name="Straight Arrow Connector 30"/>
-          <p:cNvCxnSpPr/>
-          <p:nvPr/>
-        </p:nvCxnSpPr>
-        <p:spPr>
-          <a:xfrm flipV="1">
-            <a:off x="2090743" y="3147612"/>
-            <a:ext cx="676817" cy="282380"/>
-          </a:xfrm>
-          <a:prstGeom prst="straightConnector1">
-            <a:avLst/>
-          </a:prstGeom>
-          <a:ln>
-            <a:tailEnd type="arrow"/>
-          </a:ln>
-        </p:spPr>
-        <p:style>
-          <a:lnRef idx="2">
-            <a:schemeClr val="accent1"/>
-          </a:lnRef>
-          <a:fillRef idx="0">
-            <a:schemeClr val="accent1"/>
-          </a:fillRef>
-          <a:effectRef idx="1">
-            <a:schemeClr val="accent1"/>
-          </a:effectRef>
-          <a:fontRef idx="minor">
-            <a:schemeClr val="tx1"/>
-          </a:fontRef>
-        </p:style>
-      </p:cxnSp>
-      <p:cxnSp>
-        <p:nvCxnSpPr>
-          <p:cNvPr id="33" name="Straight Arrow Connector 32"/>
-          <p:cNvCxnSpPr/>
-          <p:nvPr/>
-        </p:nvCxnSpPr>
-        <p:spPr>
-          <a:xfrm flipV="1">
-            <a:off x="2289603" y="3370936"/>
-            <a:ext cx="708214" cy="145722"/>
-          </a:xfrm>
-          <a:prstGeom prst="straightConnector1">
-            <a:avLst/>
-          </a:prstGeom>
-          <a:ln>
-            <a:tailEnd type="arrow"/>
-          </a:ln>
-        </p:spPr>
-        <p:style>
-          <a:lnRef idx="2">
-            <a:schemeClr val="accent1"/>
-          </a:lnRef>
-          <a:fillRef idx="0">
-            <a:schemeClr val="accent1"/>
-          </a:fillRef>
-          <a:effectRef idx="1">
-            <a:schemeClr val="accent1"/>
-          </a:effectRef>
-          <a:fontRef idx="minor">
-            <a:schemeClr val="tx1"/>
-          </a:fontRef>
-        </p:style>
-      </p:cxnSp>
-      <p:cxnSp>
-        <p:nvCxnSpPr>
-          <p:cNvPr id="35" name="Straight Arrow Connector 34"/>
-          <p:cNvCxnSpPr/>
-          <p:nvPr/>
-        </p:nvCxnSpPr>
-        <p:spPr>
-          <a:xfrm>
-            <a:off x="2387288" y="3637796"/>
-            <a:ext cx="879164" cy="1"/>
-          </a:xfrm>
-          <a:prstGeom prst="straightConnector1">
-            <a:avLst/>
-          </a:prstGeom>
-          <a:ln>
-            <a:tailEnd type="arrow"/>
-          </a:ln>
-        </p:spPr>
-        <p:style>
-          <a:lnRef idx="2">
-            <a:schemeClr val="accent1"/>
-          </a:lnRef>
-          <a:fillRef idx="0">
-            <a:schemeClr val="accent1"/>
-          </a:fillRef>
-          <a:effectRef idx="1">
-            <a:schemeClr val="accent1"/>
-          </a:effectRef>
-          <a:fontRef idx="minor">
-            <a:schemeClr val="tx1"/>
-          </a:fontRef>
-        </p:style>
-      </p:cxnSp>
-      <p:cxnSp>
-        <p:nvCxnSpPr>
-          <p:cNvPr id="37" name="Straight Arrow Connector 36"/>
-          <p:cNvCxnSpPr/>
-          <p:nvPr/>
-        </p:nvCxnSpPr>
-        <p:spPr>
-          <a:xfrm>
-            <a:off x="2242504" y="3807057"/>
-            <a:ext cx="1182687" cy="112711"/>
-          </a:xfrm>
-          <a:prstGeom prst="straightConnector1">
-            <a:avLst/>
-          </a:prstGeom>
-          <a:ln>
-            <a:tailEnd type="arrow"/>
-          </a:ln>
-        </p:spPr>
-        <p:style>
-          <a:lnRef idx="2">
-            <a:schemeClr val="accent1"/>
-          </a:lnRef>
-          <a:fillRef idx="0">
-            <a:schemeClr val="accent1"/>
-          </a:fillRef>
-          <a:effectRef idx="1">
-            <a:schemeClr val="accent1"/>
-          </a:effectRef>
-          <a:fontRef idx="minor">
-            <a:schemeClr val="tx1"/>
-          </a:fontRef>
-        </p:style>
-      </p:cxnSp>
-      <p:cxnSp>
-        <p:nvCxnSpPr>
-          <p:cNvPr id="39" name="Straight Arrow Connector 38"/>
-          <p:cNvCxnSpPr/>
-          <p:nvPr/>
-        </p:nvCxnSpPr>
-        <p:spPr>
-          <a:xfrm>
-            <a:off x="3266452" y="3098924"/>
-            <a:ext cx="1688552" cy="0"/>
-          </a:xfrm>
-          <a:prstGeom prst="straightConnector1">
-            <a:avLst/>
-          </a:prstGeom>
-          <a:ln>
-            <a:tailEnd type="arrow"/>
-          </a:ln>
-        </p:spPr>
-        <p:style>
-          <a:lnRef idx="2">
-            <a:schemeClr val="accent1"/>
-          </a:lnRef>
-          <a:fillRef idx="0">
-            <a:schemeClr val="accent1"/>
-          </a:fillRef>
-          <a:effectRef idx="1">
-            <a:schemeClr val="accent1"/>
-          </a:effectRef>
-          <a:fontRef idx="minor">
-            <a:schemeClr val="tx1"/>
-          </a:fontRef>
-        </p:style>
-      </p:cxnSp>
-      <p:cxnSp>
-        <p:nvCxnSpPr>
-          <p:cNvPr id="40" name="Straight Arrow Connector 39"/>
-          <p:cNvCxnSpPr/>
-          <p:nvPr/>
-        </p:nvCxnSpPr>
-        <p:spPr>
-          <a:xfrm>
-            <a:off x="3629283" y="3372651"/>
-            <a:ext cx="1688552" cy="0"/>
-          </a:xfrm>
-          <a:prstGeom prst="straightConnector1">
-            <a:avLst/>
-          </a:prstGeom>
-          <a:ln>
-            <a:tailEnd type="arrow"/>
-          </a:ln>
-        </p:spPr>
-        <p:style>
-          <a:lnRef idx="2">
-            <a:schemeClr val="accent1"/>
-          </a:lnRef>
-          <a:fillRef idx="0">
-            <a:schemeClr val="accent1"/>
-          </a:fillRef>
-          <a:effectRef idx="1">
-            <a:schemeClr val="accent1"/>
-          </a:effectRef>
-          <a:fontRef idx="minor">
-            <a:schemeClr val="tx1"/>
-          </a:fontRef>
-        </p:style>
-      </p:cxnSp>
-      <p:cxnSp>
-        <p:nvCxnSpPr>
-          <p:cNvPr id="41" name="Straight Arrow Connector 40"/>
-          <p:cNvCxnSpPr/>
-          <p:nvPr/>
-        </p:nvCxnSpPr>
-        <p:spPr>
-          <a:xfrm>
-            <a:off x="3894428" y="3624473"/>
-            <a:ext cx="1688552" cy="0"/>
-          </a:xfrm>
-          <a:prstGeom prst="straightConnector1">
-            <a:avLst/>
-          </a:prstGeom>
-          <a:ln>
-            <a:tailEnd type="arrow"/>
-          </a:ln>
-        </p:spPr>
-        <p:style>
-          <a:lnRef idx="2">
-            <a:schemeClr val="accent1"/>
-          </a:lnRef>
-          <a:fillRef idx="0">
-            <a:schemeClr val="accent1"/>
-          </a:fillRef>
-          <a:effectRef idx="1">
-            <a:schemeClr val="accent1"/>
-          </a:effectRef>
-          <a:fontRef idx="minor">
-            <a:schemeClr val="tx1"/>
-          </a:fontRef>
-        </p:style>
-      </p:cxnSp>
-      <p:cxnSp>
-        <p:nvCxnSpPr>
-          <p:cNvPr id="42" name="Straight Arrow Connector 41"/>
-          <p:cNvCxnSpPr/>
-          <p:nvPr/>
-        </p:nvCxnSpPr>
-        <p:spPr>
-          <a:xfrm>
-            <a:off x="4110728" y="3903575"/>
-            <a:ext cx="1688552" cy="0"/>
-          </a:xfrm>
-          <a:prstGeom prst="straightConnector1">
-            <a:avLst/>
-          </a:prstGeom>
-          <a:ln>
-            <a:tailEnd type="arrow"/>
-          </a:ln>
-        </p:spPr>
-        <p:style>
-          <a:lnRef idx="2">
-            <a:schemeClr val="accent1"/>
-          </a:lnRef>
-          <a:fillRef idx="0">
-            <a:schemeClr val="accent1"/>
-          </a:fillRef>
-          <a:effectRef idx="1">
-            <a:schemeClr val="accent1"/>
-          </a:effectRef>
-          <a:fontRef idx="minor">
-            <a:schemeClr val="tx1"/>
-          </a:fontRef>
-        </p:style>
-      </p:cxnSp>
-      <p:sp>
-        <p:nvSpPr>
-          <p:cNvPr id="43" name="Oval 42"/>
-          <p:cNvSpPr/>
-          <p:nvPr/>
-        </p:nvSpPr>
-        <p:spPr>
-          <a:xfrm>
-            <a:off x="2831756" y="1320731"/>
-            <a:ext cx="265145" cy="265145"/>
-          </a:xfrm>
-          <a:prstGeom prst="ellipse">
-            <a:avLst/>
-          </a:prstGeom>
-        </p:spPr>
-        <p:style>
-          <a:lnRef idx="1">
-            <a:schemeClr val="accent1"/>
-          </a:lnRef>
-          <a:fillRef idx="3">
-            <a:schemeClr val="accent1"/>
-          </a:fillRef>
-          <a:effectRef idx="2">
-            <a:schemeClr val="accent1"/>
-          </a:effectRef>
-          <a:fontRef idx="minor">
-            <a:schemeClr val="lt1"/>
-          </a:fontRef>
-        </p:style>
-        <p:txBody>
-          <a:bodyPr rtlCol="0" anchor="ctr"/>
-          <a:lstStyle/>
-          <a:p>
-            <a:pPr algn="ctr"/>
-            <a:endParaRPr lang="en-US"/>
-          </a:p>
-        </p:txBody>
-      </p:sp>
-      <p:sp>
-        <p:nvSpPr>
-          <p:cNvPr id="44" name="Oval 43"/>
-          <p:cNvSpPr/>
-          <p:nvPr/>
-        </p:nvSpPr>
-        <p:spPr>
-          <a:xfrm>
-            <a:off x="3096901" y="1591712"/>
-            <a:ext cx="265145" cy="265145"/>
-          </a:xfrm>
-          <a:prstGeom prst="ellipse">
-            <a:avLst/>
-          </a:prstGeom>
-        </p:spPr>
-        <p:style>
-          <a:lnRef idx="1">
-            <a:schemeClr val="accent1"/>
-          </a:lnRef>
-          <a:fillRef idx="3">
-            <a:schemeClr val="accent1"/>
-          </a:fillRef>
-          <a:effectRef idx="2">
-            <a:schemeClr val="accent1"/>
-          </a:effectRef>
-          <a:fontRef idx="minor">
-            <a:schemeClr val="lt1"/>
-          </a:fontRef>
-        </p:style>
-        <p:txBody>
-          <a:bodyPr rtlCol="0" anchor="ctr"/>
-          <a:lstStyle/>
-          <a:p>
-            <a:pPr algn="ctr"/>
-            <a:endParaRPr lang="en-US"/>
-          </a:p>
-        </p:txBody>
-      </p:sp>
-      <p:sp>
-        <p:nvSpPr>
-          <p:cNvPr id="45" name="Oval 44"/>
-          <p:cNvSpPr/>
-          <p:nvPr/>
-        </p:nvSpPr>
-        <p:spPr>
-          <a:xfrm>
-            <a:off x="3362046" y="1856822"/>
-            <a:ext cx="265145" cy="265145"/>
-          </a:xfrm>
-          <a:prstGeom prst="ellipse">
-            <a:avLst/>
-          </a:prstGeom>
-        </p:spPr>
-        <p:style>
-          <a:lnRef idx="1">
-            <a:schemeClr val="accent1"/>
-          </a:lnRef>
-          <a:fillRef idx="3">
-            <a:schemeClr val="accent1"/>
-          </a:fillRef>
-          <a:effectRef idx="2">
-            <a:schemeClr val="accent1"/>
-          </a:effectRef>
-          <a:fontRef idx="minor">
-            <a:schemeClr val="lt1"/>
-          </a:fontRef>
-        </p:style>
-        <p:txBody>
-          <a:bodyPr rtlCol="0" anchor="ctr"/>
-          <a:lstStyle/>
-          <a:p>
-            <a:pPr algn="ctr"/>
-            <a:endParaRPr lang="en-US"/>
-          </a:p>
-        </p:txBody>
-      </p:sp>
-      <p:sp>
-        <p:nvSpPr>
-          <p:cNvPr id="46" name="Oval 45"/>
-          <p:cNvSpPr/>
-          <p:nvPr/>
-        </p:nvSpPr>
-        <p:spPr>
-          <a:xfrm>
-            <a:off x="3627191" y="2121932"/>
-            <a:ext cx="265145" cy="265145"/>
-          </a:xfrm>
-          <a:prstGeom prst="ellipse">
-            <a:avLst/>
-          </a:prstGeom>
-        </p:spPr>
-        <p:style>
-          <a:lnRef idx="1">
-            <a:schemeClr val="accent1"/>
-          </a:lnRef>
-          <a:fillRef idx="3">
-            <a:schemeClr val="accent1"/>
-          </a:fillRef>
-          <a:effectRef idx="2">
-            <a:schemeClr val="accent1"/>
-          </a:effectRef>
-          <a:fontRef idx="minor">
-            <a:schemeClr val="lt1"/>
-          </a:fontRef>
-        </p:style>
-        <p:txBody>
-          <a:bodyPr rtlCol="0" anchor="ctr"/>
-          <a:lstStyle/>
-          <a:p>
-            <a:pPr algn="ctr"/>
-            <a:endParaRPr lang="en-US"/>
-          </a:p>
-        </p:txBody>
-      </p:sp>
-      <p:sp>
-        <p:nvSpPr>
-          <p:cNvPr id="47" name="Oval 46"/>
-          <p:cNvSpPr/>
-          <p:nvPr/>
-        </p:nvSpPr>
-        <p:spPr>
-          <a:xfrm>
-            <a:off x="5133223" y="1340558"/>
-            <a:ext cx="265145" cy="265145"/>
-          </a:xfrm>
-          <a:prstGeom prst="ellipse">
-            <a:avLst/>
-          </a:prstGeom>
-        </p:spPr>
-        <p:style>
-          <a:lnRef idx="1">
-            <a:schemeClr val="accent1"/>
-          </a:lnRef>
-          <a:fillRef idx="3">
-            <a:schemeClr val="accent1"/>
-          </a:fillRef>
-          <a:effectRef idx="2">
-            <a:schemeClr val="accent1"/>
-          </a:effectRef>
-          <a:fontRef idx="minor">
-            <a:schemeClr val="lt1"/>
-          </a:fontRef>
-        </p:style>
-        <p:txBody>
-          <a:bodyPr rtlCol="0" anchor="ctr"/>
-          <a:lstStyle/>
-          <a:p>
-            <a:pPr algn="ctr"/>
-            <a:endParaRPr lang="en-US"/>
-          </a:p>
-        </p:txBody>
-      </p:sp>
-      <p:sp>
-        <p:nvSpPr>
-          <p:cNvPr id="48" name="Oval 47"/>
-          <p:cNvSpPr/>
-          <p:nvPr/>
-        </p:nvSpPr>
-        <p:spPr>
-          <a:xfrm>
-            <a:off x="5398368" y="1611539"/>
-            <a:ext cx="265145" cy="265145"/>
-          </a:xfrm>
-          <a:prstGeom prst="ellipse">
-            <a:avLst/>
-          </a:prstGeom>
-        </p:spPr>
-        <p:style>
-          <a:lnRef idx="1">
-            <a:schemeClr val="accent1"/>
-          </a:lnRef>
-          <a:fillRef idx="3">
-            <a:schemeClr val="accent1"/>
-          </a:fillRef>
-          <a:effectRef idx="2">
-            <a:schemeClr val="accent1"/>
-          </a:effectRef>
-          <a:fontRef idx="minor">
-            <a:schemeClr val="lt1"/>
-          </a:fontRef>
-        </p:style>
-        <p:txBody>
-          <a:bodyPr rtlCol="0" anchor="ctr"/>
-          <a:lstStyle/>
-          <a:p>
-            <a:pPr algn="ctr"/>
-            <a:endParaRPr lang="en-US"/>
-          </a:p>
-        </p:txBody>
-      </p:sp>
-      <p:sp>
-        <p:nvSpPr>
-          <p:cNvPr id="49" name="Oval 48"/>
-          <p:cNvSpPr/>
-          <p:nvPr/>
-        </p:nvSpPr>
-        <p:spPr>
-          <a:xfrm>
-            <a:off x="5663513" y="1876649"/>
-            <a:ext cx="265145" cy="265145"/>
-          </a:xfrm>
-          <a:prstGeom prst="ellipse">
-            <a:avLst/>
-          </a:prstGeom>
-        </p:spPr>
-        <p:style>
-          <a:lnRef idx="1">
-            <a:schemeClr val="accent1"/>
-          </a:lnRef>
-          <a:fillRef idx="3">
-            <a:schemeClr val="accent1"/>
-          </a:fillRef>
-          <a:effectRef idx="2">
-            <a:schemeClr val="accent1"/>
-          </a:effectRef>
-          <a:fontRef idx="minor">
-            <a:schemeClr val="lt1"/>
-          </a:fontRef>
-        </p:style>
-        <p:txBody>
-          <a:bodyPr rtlCol="0" anchor="ctr"/>
-          <a:lstStyle/>
-          <a:p>
-            <a:pPr algn="ctr"/>
-            <a:endParaRPr lang="en-US"/>
-          </a:p>
-        </p:txBody>
-      </p:sp>
-      <p:sp>
-        <p:nvSpPr>
-          <p:cNvPr id="50" name="Oval 49"/>
-          <p:cNvSpPr/>
-          <p:nvPr/>
-        </p:nvSpPr>
-        <p:spPr>
-          <a:xfrm>
-            <a:off x="5928658" y="2141759"/>
-            <a:ext cx="265145" cy="265145"/>
-          </a:xfrm>
-          <a:prstGeom prst="ellipse">
-            <a:avLst/>
-          </a:prstGeom>
-        </p:spPr>
-        <p:style>
-          <a:lnRef idx="1">
-            <a:schemeClr val="accent1"/>
-          </a:lnRef>
-          <a:fillRef idx="3">
-            <a:schemeClr val="accent1"/>
-          </a:fillRef>
-          <a:effectRef idx="2">
-            <a:schemeClr val="accent1"/>
-          </a:effectRef>
-          <a:fontRef idx="minor">
-            <a:schemeClr val="lt1"/>
-          </a:fontRef>
-        </p:style>
-        <p:txBody>
-          <a:bodyPr rtlCol="0" anchor="ctr"/>
-          <a:lstStyle/>
-          <a:p>
-            <a:pPr algn="ctr"/>
-            <a:endParaRPr lang="en-US"/>
-          </a:p>
-        </p:txBody>
-      </p:sp>
-      <p:cxnSp>
-        <p:nvCxnSpPr>
-          <p:cNvPr id="51" name="Straight Arrow Connector 50"/>
-          <p:cNvCxnSpPr/>
-          <p:nvPr/>
-        </p:nvCxnSpPr>
-        <p:spPr>
-          <a:xfrm>
-            <a:off x="3264360" y="1470349"/>
-            <a:ext cx="1688552" cy="0"/>
-          </a:xfrm>
-          <a:prstGeom prst="straightConnector1">
-            <a:avLst/>
-          </a:prstGeom>
-          <a:ln>
-            <a:tailEnd type="arrow"/>
-          </a:ln>
-        </p:spPr>
-        <p:style>
-          <a:lnRef idx="2">
-            <a:schemeClr val="accent1"/>
-          </a:lnRef>
-          <a:fillRef idx="0">
-            <a:schemeClr val="accent1"/>
-          </a:fillRef>
-          <a:effectRef idx="1">
-            <a:schemeClr val="accent1"/>
-          </a:effectRef>
-          <a:fontRef idx="minor">
-            <a:schemeClr val="tx1"/>
-          </a:fontRef>
-        </p:style>
-      </p:cxnSp>
-      <p:cxnSp>
-        <p:nvCxnSpPr>
-          <p:cNvPr id="52" name="Straight Arrow Connector 51"/>
-          <p:cNvCxnSpPr/>
-          <p:nvPr/>
-        </p:nvCxnSpPr>
-        <p:spPr>
-          <a:xfrm>
-            <a:off x="3627191" y="1744076"/>
-            <a:ext cx="1688552" cy="0"/>
-          </a:xfrm>
-          <a:prstGeom prst="straightConnector1">
-            <a:avLst/>
-          </a:prstGeom>
-          <a:ln>
-            <a:tailEnd type="arrow"/>
-          </a:ln>
-        </p:spPr>
-        <p:style>
-          <a:lnRef idx="2">
-            <a:schemeClr val="accent1"/>
-          </a:lnRef>
-          <a:fillRef idx="0">
-            <a:schemeClr val="accent1"/>
-          </a:fillRef>
-          <a:effectRef idx="1">
-            <a:schemeClr val="accent1"/>
-          </a:effectRef>
-          <a:fontRef idx="minor">
-            <a:schemeClr val="tx1"/>
-          </a:fontRef>
-        </p:style>
-      </p:cxnSp>
-      <p:cxnSp>
-        <p:nvCxnSpPr>
-          <p:cNvPr id="53" name="Straight Arrow Connector 52"/>
-          <p:cNvCxnSpPr/>
-          <p:nvPr/>
-        </p:nvCxnSpPr>
-        <p:spPr>
-          <a:xfrm>
-            <a:off x="3892336" y="1995898"/>
-            <a:ext cx="1688552" cy="0"/>
-          </a:xfrm>
-          <a:prstGeom prst="straightConnector1">
-            <a:avLst/>
-          </a:prstGeom>
-          <a:ln>
-            <a:tailEnd type="arrow"/>
-          </a:ln>
-        </p:spPr>
-        <p:style>
-          <a:lnRef idx="2">
-            <a:schemeClr val="accent1"/>
-          </a:lnRef>
-          <a:fillRef idx="0">
-            <a:schemeClr val="accent1"/>
-          </a:fillRef>
-          <a:effectRef idx="1">
-            <a:schemeClr val="accent1"/>
-          </a:effectRef>
-          <a:fontRef idx="minor">
-            <a:schemeClr val="tx1"/>
-          </a:fontRef>
-        </p:style>
-      </p:cxnSp>
-      <p:cxnSp>
-        <p:nvCxnSpPr>
-          <p:cNvPr id="54" name="Straight Arrow Connector 53"/>
-          <p:cNvCxnSpPr/>
-          <p:nvPr/>
-        </p:nvCxnSpPr>
-        <p:spPr>
-          <a:xfrm>
-            <a:off x="4108636" y="2275000"/>
-            <a:ext cx="1688552" cy="0"/>
-          </a:xfrm>
-          <a:prstGeom prst="straightConnector1">
-            <a:avLst/>
-          </a:prstGeom>
-          <a:ln>
-            <a:tailEnd type="arrow"/>
-          </a:ln>
-        </p:spPr>
-        <p:style>
-          <a:lnRef idx="2">
-            <a:schemeClr val="accent1"/>
-          </a:lnRef>
-          <a:fillRef idx="0">
-            <a:schemeClr val="accent1"/>
-          </a:fillRef>
-          <a:effectRef idx="1">
-            <a:schemeClr val="accent1"/>
-          </a:effectRef>
-          <a:fontRef idx="minor">
-            <a:schemeClr val="tx1"/>
-          </a:fontRef>
-        </p:style>
-      </p:cxnSp>
-      <p:cxnSp>
-        <p:nvCxnSpPr>
-          <p:cNvPr id="56" name="Straight Arrow Connector 55"/>
-          <p:cNvCxnSpPr/>
-          <p:nvPr/>
-        </p:nvCxnSpPr>
-        <p:spPr>
-          <a:xfrm flipH="1" flipV="1">
-            <a:off x="6043493" y="2538898"/>
-            <a:ext cx="19830" cy="1085575"/>
-          </a:xfrm>
-          <a:prstGeom prst="straightConnector1">
-            <a:avLst/>
-          </a:prstGeom>
-          <a:ln>
-            <a:tailEnd type="arrow"/>
-          </a:ln>
-        </p:spPr>
-        <p:style>
-          <a:lnRef idx="2">
-            <a:schemeClr val="accent1"/>
-          </a:lnRef>
-          <a:fillRef idx="0">
-            <a:schemeClr val="accent1"/>
-          </a:fillRef>
-          <a:effectRef idx="1">
-            <a:schemeClr val="accent1"/>
-          </a:effectRef>
-          <a:fontRef idx="minor">
-            <a:schemeClr val="tx1"/>
-          </a:fontRef>
-        </p:style>
-      </p:cxnSp>
-      <p:cxnSp>
-        <p:nvCxnSpPr>
-          <p:cNvPr id="57" name="Straight Arrow Connector 56"/>
-          <p:cNvCxnSpPr/>
-          <p:nvPr/>
-        </p:nvCxnSpPr>
-        <p:spPr>
-          <a:xfrm flipV="1">
-            <a:off x="5799280" y="2393368"/>
-            <a:ext cx="0" cy="1085578"/>
-          </a:xfrm>
-          <a:prstGeom prst="straightConnector1">
-            <a:avLst/>
-          </a:prstGeom>
-          <a:ln>
-            <a:tailEnd type="arrow"/>
-          </a:ln>
-        </p:spPr>
-        <p:style>
-          <a:lnRef idx="2">
-            <a:schemeClr val="accent1"/>
-          </a:lnRef>
-          <a:fillRef idx="0">
-            <a:schemeClr val="accent1"/>
-          </a:fillRef>
-          <a:effectRef idx="1">
-            <a:schemeClr val="accent1"/>
-          </a:effectRef>
-          <a:fontRef idx="minor">
-            <a:schemeClr val="tx1"/>
-          </a:fontRef>
-        </p:style>
-      </p:cxnSp>
-      <p:cxnSp>
-        <p:nvCxnSpPr>
-          <p:cNvPr id="58" name="Straight Arrow Connector 57"/>
-          <p:cNvCxnSpPr/>
-          <p:nvPr/>
-        </p:nvCxnSpPr>
-        <p:spPr>
-          <a:xfrm flipV="1">
-            <a:off x="5555072" y="1996106"/>
-            <a:ext cx="0" cy="1085578"/>
-          </a:xfrm>
-          <a:prstGeom prst="straightConnector1">
-            <a:avLst/>
-          </a:prstGeom>
-          <a:ln>
-            <a:tailEnd type="arrow"/>
-          </a:ln>
-        </p:spPr>
-        <p:style>
-          <a:lnRef idx="2">
-            <a:schemeClr val="accent1"/>
-          </a:lnRef>
-          <a:fillRef idx="0">
-            <a:schemeClr val="accent1"/>
-          </a:fillRef>
-          <a:effectRef idx="1">
-            <a:schemeClr val="accent1"/>
-          </a:effectRef>
-          <a:fontRef idx="minor">
-            <a:schemeClr val="tx1"/>
-          </a:fontRef>
-        </p:style>
-      </p:cxnSp>
-      <p:cxnSp>
-        <p:nvCxnSpPr>
-          <p:cNvPr id="59" name="Straight Arrow Connector 58"/>
-          <p:cNvCxnSpPr/>
-          <p:nvPr/>
-        </p:nvCxnSpPr>
-        <p:spPr>
-          <a:xfrm flipV="1">
-            <a:off x="5303880" y="1750367"/>
-            <a:ext cx="0" cy="1085578"/>
-          </a:xfrm>
-          <a:prstGeom prst="straightConnector1">
-            <a:avLst/>
-          </a:prstGeom>
-          <a:ln>
-            <a:tailEnd type="arrow"/>
-          </a:ln>
-        </p:spPr>
-        <p:style>
-          <a:lnRef idx="2">
-            <a:schemeClr val="accent1"/>
-          </a:lnRef>
-          <a:fillRef idx="0">
-            <a:schemeClr val="accent1"/>
-          </a:fillRef>
-          <a:effectRef idx="1">
-            <a:schemeClr val="accent1"/>
-          </a:effectRef>
-          <a:fontRef idx="minor">
-            <a:schemeClr val="tx1"/>
-          </a:fontRef>
-        </p:style>
-      </p:cxnSp>
-      <p:cxnSp>
-        <p:nvCxnSpPr>
-          <p:cNvPr id="60" name="Straight Arrow Connector 59"/>
-          <p:cNvCxnSpPr/>
-          <p:nvPr/>
-        </p:nvCxnSpPr>
-        <p:spPr>
-          <a:xfrm flipV="1">
-            <a:off x="3724873" y="2483650"/>
-            <a:ext cx="0" cy="1085578"/>
-          </a:xfrm>
-          <a:prstGeom prst="straightConnector1">
-            <a:avLst/>
-          </a:prstGeom>
-          <a:ln>
-            <a:tailEnd type="arrow"/>
-          </a:ln>
-        </p:spPr>
-        <p:style>
-          <a:lnRef idx="2">
-            <a:schemeClr val="accent1"/>
-          </a:lnRef>
-          <a:fillRef idx="0">
-            <a:schemeClr val="accent1"/>
-          </a:fillRef>
-          <a:effectRef idx="1">
-            <a:schemeClr val="accent1"/>
-          </a:effectRef>
-          <a:fontRef idx="minor">
-            <a:schemeClr val="tx1"/>
-          </a:fontRef>
-        </p:style>
-      </p:cxnSp>
-      <p:cxnSp>
-        <p:nvCxnSpPr>
-          <p:cNvPr id="61" name="Straight Arrow Connector 60"/>
-          <p:cNvCxnSpPr/>
-          <p:nvPr/>
-        </p:nvCxnSpPr>
-        <p:spPr>
-          <a:xfrm flipV="1">
-            <a:off x="3480660" y="2338123"/>
-            <a:ext cx="0" cy="1085578"/>
-          </a:xfrm>
-          <a:prstGeom prst="straightConnector1">
-            <a:avLst/>
-          </a:prstGeom>
-          <a:ln>
-            <a:tailEnd type="arrow"/>
-          </a:ln>
-        </p:spPr>
-        <p:style>
-          <a:lnRef idx="2">
-            <a:schemeClr val="accent1"/>
-          </a:lnRef>
-          <a:fillRef idx="0">
-            <a:schemeClr val="accent1"/>
-          </a:fillRef>
-          <a:effectRef idx="1">
-            <a:schemeClr val="accent1"/>
-          </a:effectRef>
-          <a:fontRef idx="minor">
-            <a:schemeClr val="tx1"/>
-          </a:fontRef>
-        </p:style>
-      </p:cxnSp>
-      <p:cxnSp>
-        <p:nvCxnSpPr>
-          <p:cNvPr id="62" name="Straight Arrow Connector 61"/>
-          <p:cNvCxnSpPr/>
-          <p:nvPr/>
-        </p:nvCxnSpPr>
-        <p:spPr>
-          <a:xfrm flipV="1">
-            <a:off x="3236452" y="1940861"/>
-            <a:ext cx="0" cy="1085578"/>
-          </a:xfrm>
-          <a:prstGeom prst="straightConnector1">
-            <a:avLst/>
-          </a:prstGeom>
-          <a:ln>
-            <a:tailEnd type="arrow"/>
-          </a:ln>
-        </p:spPr>
-        <p:style>
-          <a:lnRef idx="2">
-            <a:schemeClr val="accent1"/>
-          </a:lnRef>
-          <a:fillRef idx="0">
-            <a:schemeClr val="accent1"/>
-          </a:fillRef>
-          <a:effectRef idx="1">
-            <a:schemeClr val="accent1"/>
-          </a:effectRef>
-          <a:fontRef idx="minor">
-            <a:schemeClr val="tx1"/>
-          </a:fontRef>
-        </p:style>
-      </p:cxnSp>
-      <p:cxnSp>
-        <p:nvCxnSpPr>
-          <p:cNvPr id="63" name="Straight Arrow Connector 62"/>
-          <p:cNvCxnSpPr/>
-          <p:nvPr/>
-        </p:nvCxnSpPr>
-        <p:spPr>
-          <a:xfrm flipV="1">
-            <a:off x="2985260" y="1695122"/>
-            <a:ext cx="0" cy="1085578"/>
-          </a:xfrm>
-          <a:prstGeom prst="straightConnector1">
-            <a:avLst/>
-          </a:prstGeom>
-          <a:ln>
-            <a:tailEnd type="arrow"/>
-          </a:ln>
-        </p:spPr>
-        <p:style>
-          <a:lnRef idx="2">
-            <a:schemeClr val="accent1"/>
-          </a:lnRef>
-          <a:fillRef idx="0">
-            <a:schemeClr val="accent1"/>
-          </a:fillRef>
-          <a:effectRef idx="1">
-            <a:schemeClr val="accent1"/>
-          </a:effectRef>
-          <a:fontRef idx="minor">
-            <a:schemeClr val="tx1"/>
-          </a:fontRef>
-        </p:style>
-      </p:cxnSp>
-      <p:sp>
-        <p:nvSpPr>
-          <p:cNvPr id="66" name="Oval 65"/>
-          <p:cNvSpPr/>
-          <p:nvPr/>
-        </p:nvSpPr>
-        <p:spPr>
-          <a:xfrm>
-            <a:off x="1795596" y="1876684"/>
-            <a:ext cx="265145" cy="265145"/>
-          </a:xfrm>
-          <a:prstGeom prst="ellipse">
-            <a:avLst/>
-          </a:prstGeom>
-        </p:spPr>
-        <p:style>
-          <a:lnRef idx="1">
-            <a:schemeClr val="accent1"/>
-          </a:lnRef>
-          <a:fillRef idx="3">
-            <a:schemeClr val="accent1"/>
-          </a:fillRef>
-          <a:effectRef idx="2">
-            <a:schemeClr val="accent1"/>
-          </a:effectRef>
-          <a:fontRef idx="minor">
-            <a:schemeClr val="lt1"/>
-          </a:fontRef>
-        </p:style>
-        <p:txBody>
-          <a:bodyPr rtlCol="0" anchor="ctr"/>
-          <a:lstStyle/>
-          <a:p>
-            <a:pPr algn="ctr"/>
-            <a:endParaRPr lang="en-US"/>
-          </a:p>
-        </p:txBody>
-      </p:sp>
-      <p:cxnSp>
-        <p:nvCxnSpPr>
-          <p:cNvPr id="67" name="Straight Arrow Connector 66"/>
-          <p:cNvCxnSpPr/>
-          <p:nvPr/>
-        </p:nvCxnSpPr>
-        <p:spPr>
-          <a:xfrm flipV="1">
-            <a:off x="2102606" y="1507638"/>
-            <a:ext cx="676817" cy="282380"/>
-          </a:xfrm>
-          <a:prstGeom prst="straightConnector1">
-            <a:avLst/>
-          </a:prstGeom>
-          <a:ln>
-            <a:tailEnd type="arrow"/>
-          </a:ln>
-        </p:spPr>
-        <p:style>
-          <a:lnRef idx="2">
-            <a:schemeClr val="accent1"/>
-          </a:lnRef>
-          <a:fillRef idx="0">
-            <a:schemeClr val="accent1"/>
-          </a:fillRef>
-          <a:effectRef idx="1">
-            <a:schemeClr val="accent1"/>
-          </a:effectRef>
-          <a:fontRef idx="minor">
-            <a:schemeClr val="tx1"/>
-          </a:fontRef>
-        </p:style>
-      </p:cxnSp>
-      <p:cxnSp>
-        <p:nvCxnSpPr>
-          <p:cNvPr id="68" name="Straight Arrow Connector 67"/>
-          <p:cNvCxnSpPr/>
-          <p:nvPr/>
-        </p:nvCxnSpPr>
-        <p:spPr>
-          <a:xfrm flipV="1">
-            <a:off x="2301466" y="1730962"/>
-            <a:ext cx="708214" cy="145722"/>
-          </a:xfrm>
-          <a:prstGeom prst="straightConnector1">
-            <a:avLst/>
-          </a:prstGeom>
-          <a:ln>
-            <a:tailEnd type="arrow"/>
-          </a:ln>
-        </p:spPr>
-        <p:style>
-          <a:lnRef idx="2">
-            <a:schemeClr val="accent1"/>
-          </a:lnRef>
-          <a:fillRef idx="0">
-            <a:schemeClr val="accent1"/>
-          </a:fillRef>
-          <a:effectRef idx="1">
-            <a:schemeClr val="accent1"/>
-          </a:effectRef>
-          <a:fontRef idx="minor">
-            <a:schemeClr val="tx1"/>
-          </a:fontRef>
-        </p:style>
-      </p:cxnSp>
-      <p:cxnSp>
-        <p:nvCxnSpPr>
-          <p:cNvPr id="69" name="Straight Arrow Connector 68"/>
-          <p:cNvCxnSpPr/>
-          <p:nvPr/>
-        </p:nvCxnSpPr>
-        <p:spPr>
-          <a:xfrm>
-            <a:off x="2399151" y="1997822"/>
-            <a:ext cx="879164" cy="1"/>
-          </a:xfrm>
-          <a:prstGeom prst="straightConnector1">
-            <a:avLst/>
-          </a:prstGeom>
-          <a:ln>
-            <a:tailEnd type="arrow"/>
-          </a:ln>
-        </p:spPr>
-        <p:style>
-          <a:lnRef idx="2">
-            <a:schemeClr val="accent1"/>
-          </a:lnRef>
-          <a:fillRef idx="0">
-            <a:schemeClr val="accent1"/>
-          </a:fillRef>
-          <a:effectRef idx="1">
-            <a:schemeClr val="accent1"/>
-          </a:effectRef>
-          <a:fontRef idx="minor">
-            <a:schemeClr val="tx1"/>
-          </a:fontRef>
-        </p:style>
-      </p:cxnSp>
-      <p:cxnSp>
-        <p:nvCxnSpPr>
-          <p:cNvPr id="70" name="Straight Arrow Connector 69"/>
-          <p:cNvCxnSpPr/>
-          <p:nvPr/>
-        </p:nvCxnSpPr>
-        <p:spPr>
-          <a:xfrm>
-            <a:off x="2254367" y="2167083"/>
-            <a:ext cx="1182687" cy="112711"/>
-          </a:xfrm>
-          <a:prstGeom prst="straightConnector1">
-            <a:avLst/>
-          </a:prstGeom>
-          <a:ln>
-            <a:tailEnd type="arrow"/>
-          </a:ln>
-        </p:spPr>
-        <p:style>
-          <a:lnRef idx="2">
-            <a:schemeClr val="accent1"/>
-          </a:lnRef>
-          <a:fillRef idx="0">
-            <a:schemeClr val="accent1"/>
-          </a:fillRef>
-          <a:effectRef idx="1">
-            <a:schemeClr val="accent1"/>
-          </a:effectRef>
-          <a:fontRef idx="minor">
-            <a:schemeClr val="tx1"/>
-          </a:fontRef>
-        </p:style>
-      </p:cxnSp>
-      <p:sp>
-        <p:nvSpPr>
-          <p:cNvPr id="89" name="Oval 88"/>
-          <p:cNvSpPr/>
-          <p:nvPr/>
-        </p:nvSpPr>
-        <p:spPr>
-          <a:xfrm>
-            <a:off x="7204431" y="1750367"/>
-            <a:ext cx="265145" cy="265145"/>
-          </a:xfrm>
-          <a:prstGeom prst="ellipse">
-            <a:avLst/>
-          </a:prstGeom>
-        </p:spPr>
-        <p:style>
-          <a:lnRef idx="1">
-            <a:schemeClr val="accent1"/>
-          </a:lnRef>
-          <a:fillRef idx="3">
-            <a:schemeClr val="accent1"/>
-          </a:fillRef>
-          <a:effectRef idx="2">
-            <a:schemeClr val="accent1"/>
-          </a:effectRef>
-          <a:fontRef idx="minor">
-            <a:schemeClr val="lt1"/>
-          </a:fontRef>
-        </p:style>
-        <p:txBody>
-          <a:bodyPr rtlCol="0" anchor="ctr"/>
-          <a:lstStyle/>
-          <a:p>
-            <a:pPr algn="ctr"/>
-            <a:endParaRPr lang="en-US"/>
-          </a:p>
-        </p:txBody>
-      </p:sp>
-      <p:cxnSp>
-        <p:nvCxnSpPr>
-          <p:cNvPr id="90" name="Straight Arrow Connector 89"/>
-          <p:cNvCxnSpPr/>
-          <p:nvPr/>
-        </p:nvCxnSpPr>
-        <p:spPr>
-          <a:xfrm flipV="1">
-            <a:off x="6310210" y="2082453"/>
-            <a:ext cx="778919" cy="169260"/>
-          </a:xfrm>
-          <a:prstGeom prst="straightConnector1">
-            <a:avLst/>
-          </a:prstGeom>
-          <a:ln>
-            <a:tailEnd type="arrow"/>
-          </a:ln>
-        </p:spPr>
-        <p:style>
-          <a:lnRef idx="2">
-            <a:schemeClr val="accent1"/>
-          </a:lnRef>
-          <a:fillRef idx="0">
-            <a:schemeClr val="accent1"/>
-          </a:fillRef>
-          <a:effectRef idx="1">
-            <a:schemeClr val="accent1"/>
-          </a:effectRef>
-          <a:fontRef idx="minor">
-            <a:schemeClr val="tx1"/>
-          </a:fontRef>
-        </p:style>
-      </p:cxnSp>
-      <p:cxnSp>
-        <p:nvCxnSpPr>
-          <p:cNvPr id="91" name="Straight Arrow Connector 90"/>
-          <p:cNvCxnSpPr/>
-          <p:nvPr/>
-        </p:nvCxnSpPr>
-        <p:spPr>
-          <a:xfrm>
-            <a:off x="6055356" y="1942507"/>
-            <a:ext cx="1033773" cy="0"/>
-          </a:xfrm>
-          <a:prstGeom prst="straightConnector1">
-            <a:avLst/>
-          </a:prstGeom>
-          <a:ln>
-            <a:tailEnd type="arrow"/>
-          </a:ln>
-        </p:spPr>
-        <p:style>
-          <a:lnRef idx="2">
-            <a:schemeClr val="accent1"/>
-          </a:lnRef>
-          <a:fillRef idx="0">
-            <a:schemeClr val="accent1"/>
-          </a:fillRef>
-          <a:effectRef idx="1">
-            <a:schemeClr val="accent1"/>
-          </a:effectRef>
-          <a:fontRef idx="minor">
-            <a:schemeClr val="tx1"/>
-          </a:fontRef>
-        </p:style>
-      </p:cxnSp>
-      <p:cxnSp>
-        <p:nvCxnSpPr>
-          <p:cNvPr id="92" name="Straight Arrow Connector 91"/>
-          <p:cNvCxnSpPr/>
-          <p:nvPr/>
-        </p:nvCxnSpPr>
-        <p:spPr>
-          <a:xfrm>
-            <a:off x="5781753" y="1716109"/>
-            <a:ext cx="1307376" cy="122863"/>
-          </a:xfrm>
-          <a:prstGeom prst="straightConnector1">
-            <a:avLst/>
-          </a:prstGeom>
-          <a:ln>
-            <a:tailEnd type="arrow"/>
-          </a:ln>
-        </p:spPr>
-        <p:style>
-          <a:lnRef idx="2">
-            <a:schemeClr val="accent1"/>
-          </a:lnRef>
-          <a:fillRef idx="0">
-            <a:schemeClr val="accent1"/>
-          </a:fillRef>
-          <a:effectRef idx="1">
-            <a:schemeClr val="accent1"/>
-          </a:effectRef>
-          <a:fontRef idx="minor">
-            <a:schemeClr val="tx1"/>
-          </a:fontRef>
-        </p:style>
-      </p:cxnSp>
-      <p:cxnSp>
-        <p:nvCxnSpPr>
-          <p:cNvPr id="93" name="Straight Arrow Connector 92"/>
-          <p:cNvCxnSpPr/>
-          <p:nvPr/>
-        </p:nvCxnSpPr>
-        <p:spPr>
-          <a:xfrm>
-            <a:off x="5566935" y="1458950"/>
-            <a:ext cx="1522194" cy="236172"/>
-          </a:xfrm>
-          <a:prstGeom prst="straightConnector1">
-            <a:avLst/>
-          </a:prstGeom>
-          <a:ln>
-            <a:tailEnd type="arrow"/>
-          </a:ln>
-        </p:spPr>
-        <p:style>
-          <a:lnRef idx="2">
-            <a:schemeClr val="accent1"/>
-          </a:lnRef>
-          <a:fillRef idx="0">
-            <a:schemeClr val="accent1"/>
-          </a:fillRef>
-          <a:effectRef idx="1">
-            <a:schemeClr val="accent1"/>
-          </a:effectRef>
-          <a:fontRef idx="minor">
-            <a:schemeClr val="tx1"/>
-          </a:fontRef>
-        </p:style>
-      </p:cxnSp>
-      <p:sp>
-        <p:nvSpPr>
-          <p:cNvPr id="96" name="TextBox 95"/>
-          <p:cNvSpPr txBox="1"/>
-          <p:nvPr/>
-        </p:nvSpPr>
-        <p:spPr>
-          <a:xfrm>
-            <a:off x="330313" y="1801304"/>
-            <a:ext cx="1226680" cy="369332"/>
-          </a:xfrm>
-          <a:prstGeom prst="rect">
-            <a:avLst/>
-          </a:prstGeom>
-          <a:noFill/>
-        </p:spPr>
-        <p:txBody>
-          <a:bodyPr wrap="none" rtlCol="0">
-            <a:spAutoFit/>
-          </a:bodyPr>
-          <a:lstStyle/>
-          <a:p>
-            <a:r>
-              <a:rPr lang="en-US" dirty="0" smtClean="0"/>
-              <a:t>Weather(t)</a:t>
-            </a:r>
-            <a:endParaRPr lang="en-US" dirty="0"/>
-          </a:p>
-        </p:txBody>
-      </p:sp>
-      <p:sp>
-        <p:nvSpPr>
-          <p:cNvPr id="98" name="TextBox 97"/>
-          <p:cNvSpPr txBox="1"/>
-          <p:nvPr/>
-        </p:nvSpPr>
-        <p:spPr>
-          <a:xfrm>
-            <a:off x="330313" y="3412471"/>
-            <a:ext cx="1414345" cy="369332"/>
-          </a:xfrm>
-          <a:prstGeom prst="rect">
-            <a:avLst/>
-          </a:prstGeom>
-          <a:noFill/>
-        </p:spPr>
-        <p:txBody>
-          <a:bodyPr wrap="none" rtlCol="0">
-            <a:spAutoFit/>
-          </a:bodyPr>
-          <a:lstStyle/>
-          <a:p>
-            <a:r>
-              <a:rPr lang="en-US" dirty="0" smtClean="0"/>
-              <a:t>Weather(t-4)</a:t>
-            </a:r>
-            <a:endParaRPr lang="en-US" dirty="0"/>
-          </a:p>
-        </p:txBody>
-      </p:sp>
-      <p:sp>
-        <p:nvSpPr>
-          <p:cNvPr id="99" name="Oval 98"/>
-          <p:cNvSpPr/>
-          <p:nvPr/>
-        </p:nvSpPr>
-        <p:spPr>
-          <a:xfrm>
-            <a:off x="2794773" y="4602440"/>
-            <a:ext cx="265145" cy="265145"/>
-          </a:xfrm>
-          <a:prstGeom prst="ellipse">
-            <a:avLst/>
-          </a:prstGeom>
-        </p:spPr>
-        <p:style>
-          <a:lnRef idx="1">
-            <a:schemeClr val="accent1"/>
-          </a:lnRef>
-          <a:fillRef idx="3">
-            <a:schemeClr val="accent1"/>
-          </a:fillRef>
-          <a:effectRef idx="2">
-            <a:schemeClr val="accent1"/>
-          </a:effectRef>
-          <a:fontRef idx="minor">
-            <a:schemeClr val="lt1"/>
-          </a:fontRef>
-        </p:style>
-        <p:txBody>
-          <a:bodyPr rtlCol="0" anchor="ctr"/>
-          <a:lstStyle/>
-          <a:p>
-            <a:pPr algn="ctr"/>
-            <a:endParaRPr lang="en-US"/>
-          </a:p>
-        </p:txBody>
-      </p:sp>
-      <p:sp>
-        <p:nvSpPr>
-          <p:cNvPr id="100" name="Oval 99"/>
-          <p:cNvSpPr/>
-          <p:nvPr/>
-        </p:nvSpPr>
-        <p:spPr>
-          <a:xfrm>
-            <a:off x="3059918" y="4873421"/>
-            <a:ext cx="265145" cy="265145"/>
-          </a:xfrm>
-          <a:prstGeom prst="ellipse">
-            <a:avLst/>
-          </a:prstGeom>
-        </p:spPr>
-        <p:style>
-          <a:lnRef idx="1">
-            <a:schemeClr val="accent1"/>
-          </a:lnRef>
-          <a:fillRef idx="3">
-            <a:schemeClr val="accent1"/>
-          </a:fillRef>
-          <a:effectRef idx="2">
-            <a:schemeClr val="accent1"/>
-          </a:effectRef>
-          <a:fontRef idx="minor">
-            <a:schemeClr val="lt1"/>
-          </a:fontRef>
-        </p:style>
-        <p:txBody>
-          <a:bodyPr rtlCol="0" anchor="ctr"/>
-          <a:lstStyle/>
-          <a:p>
-            <a:pPr algn="ctr"/>
-            <a:endParaRPr lang="en-US"/>
-          </a:p>
-        </p:txBody>
-      </p:sp>
-      <p:sp>
-        <p:nvSpPr>
-          <p:cNvPr id="101" name="Oval 100"/>
-          <p:cNvSpPr/>
-          <p:nvPr/>
-        </p:nvSpPr>
-        <p:spPr>
-          <a:xfrm>
-            <a:off x="3325063" y="5138531"/>
-            <a:ext cx="265145" cy="265145"/>
-          </a:xfrm>
-          <a:prstGeom prst="ellipse">
-            <a:avLst/>
-          </a:prstGeom>
-        </p:spPr>
-        <p:style>
-          <a:lnRef idx="1">
-            <a:schemeClr val="accent1"/>
-          </a:lnRef>
-          <a:fillRef idx="3">
-            <a:schemeClr val="accent1"/>
-          </a:fillRef>
-          <a:effectRef idx="2">
-            <a:schemeClr val="accent1"/>
-          </a:effectRef>
-          <a:fontRef idx="minor">
-            <a:schemeClr val="lt1"/>
-          </a:fontRef>
-        </p:style>
-        <p:txBody>
-          <a:bodyPr rtlCol="0" anchor="ctr"/>
-          <a:lstStyle/>
-          <a:p>
-            <a:pPr algn="ctr"/>
-            <a:endParaRPr lang="en-US"/>
-          </a:p>
-        </p:txBody>
-      </p:sp>
-      <p:sp>
-        <p:nvSpPr>
-          <p:cNvPr id="102" name="Oval 101"/>
-          <p:cNvSpPr/>
-          <p:nvPr/>
-        </p:nvSpPr>
-        <p:spPr>
-          <a:xfrm>
-            <a:off x="3590208" y="5403641"/>
-            <a:ext cx="265145" cy="265145"/>
-          </a:xfrm>
-          <a:prstGeom prst="ellipse">
-            <a:avLst/>
-          </a:prstGeom>
-        </p:spPr>
-        <p:style>
-          <a:lnRef idx="1">
-            <a:schemeClr val="accent1"/>
-          </a:lnRef>
-          <a:fillRef idx="3">
-            <a:schemeClr val="accent1"/>
-          </a:fillRef>
-          <a:effectRef idx="2">
-            <a:schemeClr val="accent1"/>
-          </a:effectRef>
-          <a:fontRef idx="minor">
-            <a:schemeClr val="lt1"/>
-          </a:fontRef>
-        </p:style>
-        <p:txBody>
-          <a:bodyPr rtlCol="0" anchor="ctr"/>
-          <a:lstStyle/>
-          <a:p>
-            <a:pPr algn="ctr"/>
-            <a:endParaRPr lang="en-US"/>
-          </a:p>
-        </p:txBody>
-      </p:sp>
-      <p:sp>
-        <p:nvSpPr>
-          <p:cNvPr id="103" name="Oval 102"/>
-          <p:cNvSpPr/>
-          <p:nvPr/>
-        </p:nvSpPr>
-        <p:spPr>
-          <a:xfrm>
-            <a:off x="1744658" y="5169792"/>
-            <a:ext cx="265145" cy="265145"/>
-          </a:xfrm>
-          <a:prstGeom prst="ellipse">
-            <a:avLst/>
-          </a:prstGeom>
-        </p:spPr>
-        <p:style>
-          <a:lnRef idx="1">
-            <a:schemeClr val="accent1"/>
-          </a:lnRef>
-          <a:fillRef idx="3">
-            <a:schemeClr val="accent1"/>
-          </a:fillRef>
-          <a:effectRef idx="2">
-            <a:schemeClr val="accent1"/>
-          </a:effectRef>
-          <a:fontRef idx="minor">
-            <a:schemeClr val="lt1"/>
-          </a:fontRef>
-        </p:style>
-        <p:txBody>
-          <a:bodyPr rtlCol="0" anchor="ctr"/>
-          <a:lstStyle/>
-          <a:p>
-            <a:pPr algn="ctr"/>
-            <a:endParaRPr lang="en-US"/>
-          </a:p>
-        </p:txBody>
-      </p:sp>
-      <p:sp>
-        <p:nvSpPr>
-          <p:cNvPr id="104" name="Oval 103"/>
-          <p:cNvSpPr/>
-          <p:nvPr/>
-        </p:nvSpPr>
-        <p:spPr>
-          <a:xfrm>
-            <a:off x="5096240" y="4622267"/>
-            <a:ext cx="265145" cy="265145"/>
-          </a:xfrm>
-          <a:prstGeom prst="ellipse">
-            <a:avLst/>
-          </a:prstGeom>
-        </p:spPr>
-        <p:style>
-          <a:lnRef idx="1">
-            <a:schemeClr val="accent1"/>
-          </a:lnRef>
-          <a:fillRef idx="3">
-            <a:schemeClr val="accent1"/>
-          </a:fillRef>
-          <a:effectRef idx="2">
-            <a:schemeClr val="accent1"/>
-          </a:effectRef>
-          <a:fontRef idx="minor">
-            <a:schemeClr val="lt1"/>
-          </a:fontRef>
-        </p:style>
-        <p:txBody>
-          <a:bodyPr rtlCol="0" anchor="ctr"/>
-          <a:lstStyle/>
-          <a:p>
-            <a:pPr algn="ctr"/>
-            <a:endParaRPr lang="en-US"/>
-          </a:p>
-        </p:txBody>
-      </p:sp>
-      <p:sp>
-        <p:nvSpPr>
-          <p:cNvPr id="105" name="Oval 104"/>
-          <p:cNvSpPr/>
-          <p:nvPr/>
-        </p:nvSpPr>
-        <p:spPr>
-          <a:xfrm>
-            <a:off x="5361385" y="4893248"/>
-            <a:ext cx="265145" cy="265145"/>
-          </a:xfrm>
-          <a:prstGeom prst="ellipse">
-            <a:avLst/>
-          </a:prstGeom>
-        </p:spPr>
-        <p:style>
-          <a:lnRef idx="1">
-            <a:schemeClr val="accent1"/>
-          </a:lnRef>
-          <a:fillRef idx="3">
-            <a:schemeClr val="accent1"/>
-          </a:fillRef>
-          <a:effectRef idx="2">
-            <a:schemeClr val="accent1"/>
-          </a:effectRef>
-          <a:fontRef idx="minor">
-            <a:schemeClr val="lt1"/>
-          </a:fontRef>
-        </p:style>
-        <p:txBody>
-          <a:bodyPr rtlCol="0" anchor="ctr"/>
-          <a:lstStyle/>
-          <a:p>
-            <a:pPr algn="ctr"/>
-            <a:endParaRPr lang="en-US"/>
-          </a:p>
-        </p:txBody>
-      </p:sp>
-      <p:sp>
-        <p:nvSpPr>
-          <p:cNvPr id="106" name="Oval 105"/>
-          <p:cNvSpPr/>
-          <p:nvPr/>
-        </p:nvSpPr>
-        <p:spPr>
-          <a:xfrm>
-            <a:off x="5626530" y="5158358"/>
-            <a:ext cx="265145" cy="265145"/>
-          </a:xfrm>
-          <a:prstGeom prst="ellipse">
-            <a:avLst/>
-          </a:prstGeom>
-        </p:spPr>
-        <p:style>
-          <a:lnRef idx="1">
-            <a:schemeClr val="accent1"/>
-          </a:lnRef>
-          <a:fillRef idx="3">
-            <a:schemeClr val="accent1"/>
-          </a:fillRef>
-          <a:effectRef idx="2">
-            <a:schemeClr val="accent1"/>
-          </a:effectRef>
-          <a:fontRef idx="minor">
-            <a:schemeClr val="lt1"/>
-          </a:fontRef>
-        </p:style>
-        <p:txBody>
-          <a:bodyPr rtlCol="0" anchor="ctr"/>
-          <a:lstStyle/>
-          <a:p>
-            <a:pPr algn="ctr"/>
-            <a:endParaRPr lang="en-US"/>
-          </a:p>
-        </p:txBody>
-      </p:sp>
-      <p:sp>
-        <p:nvSpPr>
-          <p:cNvPr id="107" name="Oval 106"/>
-          <p:cNvSpPr/>
-          <p:nvPr/>
-        </p:nvSpPr>
-        <p:spPr>
-          <a:xfrm>
-            <a:off x="5891675" y="5423468"/>
-            <a:ext cx="265145" cy="265145"/>
-          </a:xfrm>
-          <a:prstGeom prst="ellipse">
-            <a:avLst/>
-          </a:prstGeom>
-        </p:spPr>
-        <p:style>
-          <a:lnRef idx="1">
-            <a:schemeClr val="accent1"/>
-          </a:lnRef>
-          <a:fillRef idx="3">
-            <a:schemeClr val="accent1"/>
-          </a:fillRef>
-          <a:effectRef idx="2">
-            <a:schemeClr val="accent1"/>
-          </a:effectRef>
-          <a:fontRef idx="minor">
-            <a:schemeClr val="lt1"/>
-          </a:fontRef>
-        </p:style>
-        <p:txBody>
-          <a:bodyPr rtlCol="0" anchor="ctr"/>
-          <a:lstStyle/>
-          <a:p>
-            <a:pPr algn="ctr"/>
-            <a:endParaRPr lang="en-US"/>
-          </a:p>
-        </p:txBody>
-      </p:sp>
-      <p:cxnSp>
-        <p:nvCxnSpPr>
-          <p:cNvPr id="109" name="Straight Arrow Connector 108"/>
-          <p:cNvCxnSpPr/>
-          <p:nvPr/>
-        </p:nvCxnSpPr>
-        <p:spPr>
-          <a:xfrm flipV="1">
-            <a:off x="2051668" y="4800746"/>
-            <a:ext cx="676817" cy="282380"/>
-          </a:xfrm>
-          <a:prstGeom prst="straightConnector1">
-            <a:avLst/>
-          </a:prstGeom>
-          <a:ln>
-            <a:tailEnd type="arrow"/>
-          </a:ln>
-        </p:spPr>
-        <p:style>
-          <a:lnRef idx="2">
-            <a:schemeClr val="accent1"/>
-          </a:lnRef>
-          <a:fillRef idx="0">
-            <a:schemeClr val="accent1"/>
-          </a:fillRef>
-          <a:effectRef idx="1">
-            <a:schemeClr val="accent1"/>
-          </a:effectRef>
-          <a:fontRef idx="minor">
-            <a:schemeClr val="tx1"/>
-          </a:fontRef>
-        </p:style>
-      </p:cxnSp>
-      <p:cxnSp>
-        <p:nvCxnSpPr>
-          <p:cNvPr id="110" name="Straight Arrow Connector 109"/>
-          <p:cNvCxnSpPr/>
-          <p:nvPr/>
-        </p:nvCxnSpPr>
-        <p:spPr>
-          <a:xfrm flipV="1">
-            <a:off x="2250528" y="5024070"/>
-            <a:ext cx="708214" cy="145722"/>
-          </a:xfrm>
-          <a:prstGeom prst="straightConnector1">
-            <a:avLst/>
-          </a:prstGeom>
-          <a:ln>
-            <a:tailEnd type="arrow"/>
-          </a:ln>
-        </p:spPr>
-        <p:style>
-          <a:lnRef idx="2">
-            <a:schemeClr val="accent1"/>
-          </a:lnRef>
-          <a:fillRef idx="0">
-            <a:schemeClr val="accent1"/>
-          </a:fillRef>
-          <a:effectRef idx="1">
-            <a:schemeClr val="accent1"/>
-          </a:effectRef>
-          <a:fontRef idx="minor">
-            <a:schemeClr val="tx1"/>
-          </a:fontRef>
-        </p:style>
-      </p:cxnSp>
-      <p:cxnSp>
-        <p:nvCxnSpPr>
-          <p:cNvPr id="111" name="Straight Arrow Connector 110"/>
-          <p:cNvCxnSpPr/>
-          <p:nvPr/>
-        </p:nvCxnSpPr>
-        <p:spPr>
-          <a:xfrm>
-            <a:off x="2348213" y="5290930"/>
-            <a:ext cx="879164" cy="1"/>
-          </a:xfrm>
-          <a:prstGeom prst="straightConnector1">
-            <a:avLst/>
-          </a:prstGeom>
-          <a:ln>
-            <a:tailEnd type="arrow"/>
-          </a:ln>
-        </p:spPr>
-        <p:style>
-          <a:lnRef idx="2">
-            <a:schemeClr val="accent1"/>
-          </a:lnRef>
-          <a:fillRef idx="0">
-            <a:schemeClr val="accent1"/>
-          </a:fillRef>
-          <a:effectRef idx="1">
-            <a:schemeClr val="accent1"/>
-          </a:effectRef>
-          <a:fontRef idx="minor">
-            <a:schemeClr val="tx1"/>
-          </a:fontRef>
-        </p:style>
-      </p:cxnSp>
-      <p:cxnSp>
-        <p:nvCxnSpPr>
-          <p:cNvPr id="112" name="Straight Arrow Connector 111"/>
-          <p:cNvCxnSpPr/>
-          <p:nvPr/>
-        </p:nvCxnSpPr>
-        <p:spPr>
-          <a:xfrm>
-            <a:off x="2203429" y="5460191"/>
-            <a:ext cx="1182687" cy="112711"/>
-          </a:xfrm>
-          <a:prstGeom prst="straightConnector1">
-            <a:avLst/>
-          </a:prstGeom>
-          <a:ln>
-            <a:tailEnd type="arrow"/>
-          </a:ln>
-        </p:spPr>
-        <p:style>
-          <a:lnRef idx="2">
-            <a:schemeClr val="accent1"/>
-          </a:lnRef>
-          <a:fillRef idx="0">
-            <a:schemeClr val="accent1"/>
-          </a:fillRef>
-          <a:effectRef idx="1">
-            <a:schemeClr val="accent1"/>
-          </a:effectRef>
-          <a:fontRef idx="minor">
-            <a:schemeClr val="tx1"/>
-          </a:fontRef>
-        </p:style>
-      </p:cxnSp>
-      <p:cxnSp>
-        <p:nvCxnSpPr>
-          <p:cNvPr id="113" name="Straight Arrow Connector 112"/>
-          <p:cNvCxnSpPr/>
-          <p:nvPr/>
-        </p:nvCxnSpPr>
-        <p:spPr>
-          <a:xfrm>
-            <a:off x="3227377" y="4752058"/>
-            <a:ext cx="1688552" cy="0"/>
-          </a:xfrm>
-          <a:prstGeom prst="straightConnector1">
-            <a:avLst/>
-          </a:prstGeom>
-          <a:ln>
-            <a:tailEnd type="arrow"/>
-          </a:ln>
-        </p:spPr>
-        <p:style>
-          <a:lnRef idx="2">
-            <a:schemeClr val="accent1"/>
-          </a:lnRef>
-          <a:fillRef idx="0">
-            <a:schemeClr val="accent1"/>
-          </a:fillRef>
-          <a:effectRef idx="1">
-            <a:schemeClr val="accent1"/>
-          </a:effectRef>
-          <a:fontRef idx="minor">
-            <a:schemeClr val="tx1"/>
-          </a:fontRef>
-        </p:style>
-      </p:cxnSp>
-      <p:cxnSp>
-        <p:nvCxnSpPr>
-          <p:cNvPr id="114" name="Straight Arrow Connector 113"/>
-          <p:cNvCxnSpPr/>
-          <p:nvPr/>
-        </p:nvCxnSpPr>
-        <p:spPr>
-          <a:xfrm>
-            <a:off x="3590208" y="5025785"/>
-            <a:ext cx="1688552" cy="0"/>
-          </a:xfrm>
-          <a:prstGeom prst="straightConnector1">
-            <a:avLst/>
-          </a:prstGeom>
-          <a:ln>
-            <a:tailEnd type="arrow"/>
-          </a:ln>
-        </p:spPr>
-        <p:style>
-          <a:lnRef idx="2">
-            <a:schemeClr val="accent1"/>
-          </a:lnRef>
-          <a:fillRef idx="0">
-            <a:schemeClr val="accent1"/>
-          </a:fillRef>
-          <a:effectRef idx="1">
-            <a:schemeClr val="accent1"/>
-          </a:effectRef>
-          <a:fontRef idx="minor">
-            <a:schemeClr val="tx1"/>
-          </a:fontRef>
-        </p:style>
-      </p:cxnSp>
-      <p:cxnSp>
-        <p:nvCxnSpPr>
-          <p:cNvPr id="115" name="Straight Arrow Connector 114"/>
-          <p:cNvCxnSpPr/>
-          <p:nvPr/>
-        </p:nvCxnSpPr>
-        <p:spPr>
-          <a:xfrm>
-            <a:off x="3855353" y="5277607"/>
-            <a:ext cx="1688552" cy="0"/>
-          </a:xfrm>
-          <a:prstGeom prst="straightConnector1">
-            <a:avLst/>
-          </a:prstGeom>
-          <a:ln>
-            <a:tailEnd type="arrow"/>
-          </a:ln>
-        </p:spPr>
-        <p:style>
-          <a:lnRef idx="2">
-            <a:schemeClr val="accent1"/>
-          </a:lnRef>
-          <a:fillRef idx="0">
-            <a:schemeClr val="accent1"/>
-          </a:fillRef>
-          <a:effectRef idx="1">
-            <a:schemeClr val="accent1"/>
-          </a:effectRef>
-          <a:fontRef idx="minor">
-            <a:schemeClr val="tx1"/>
-          </a:fontRef>
-        </p:style>
-      </p:cxnSp>
-      <p:cxnSp>
-        <p:nvCxnSpPr>
-          <p:cNvPr id="116" name="Straight Arrow Connector 115"/>
-          <p:cNvCxnSpPr/>
-          <p:nvPr/>
-        </p:nvCxnSpPr>
-        <p:spPr>
-          <a:xfrm>
-            <a:off x="4071653" y="5556709"/>
-            <a:ext cx="1688552" cy="0"/>
-          </a:xfrm>
-          <a:prstGeom prst="straightConnector1">
-            <a:avLst/>
-          </a:prstGeom>
-          <a:ln>
-            <a:tailEnd type="arrow"/>
-          </a:ln>
-        </p:spPr>
-        <p:style>
-          <a:lnRef idx="2">
-            <a:schemeClr val="accent1"/>
-          </a:lnRef>
-          <a:fillRef idx="0">
-            <a:schemeClr val="accent1"/>
-          </a:fillRef>
-          <a:effectRef idx="1">
-            <a:schemeClr val="accent1"/>
-          </a:effectRef>
-          <a:fontRef idx="minor">
-            <a:schemeClr val="tx1"/>
-          </a:fontRef>
-        </p:style>
-      </p:cxnSp>
-      <p:cxnSp>
-        <p:nvCxnSpPr>
-          <p:cNvPr id="117" name="Straight Arrow Connector 116"/>
-          <p:cNvCxnSpPr/>
-          <p:nvPr/>
-        </p:nvCxnSpPr>
-        <p:spPr>
-          <a:xfrm flipH="1" flipV="1">
-            <a:off x="6004418" y="4192032"/>
-            <a:ext cx="19830" cy="1085575"/>
-          </a:xfrm>
-          <a:prstGeom prst="straightConnector1">
-            <a:avLst/>
-          </a:prstGeom>
-          <a:ln>
-            <a:tailEnd type="arrow"/>
-          </a:ln>
-        </p:spPr>
-        <p:style>
-          <a:lnRef idx="2">
-            <a:schemeClr val="accent1"/>
-          </a:lnRef>
-          <a:fillRef idx="0">
-            <a:schemeClr val="accent1"/>
-          </a:fillRef>
-          <a:effectRef idx="1">
-            <a:schemeClr val="accent1"/>
-          </a:effectRef>
-          <a:fontRef idx="minor">
-            <a:schemeClr val="tx1"/>
-          </a:fontRef>
-        </p:style>
-      </p:cxnSp>
-      <p:cxnSp>
-        <p:nvCxnSpPr>
-          <p:cNvPr id="118" name="Straight Arrow Connector 117"/>
-          <p:cNvCxnSpPr/>
-          <p:nvPr/>
-        </p:nvCxnSpPr>
-        <p:spPr>
-          <a:xfrm flipV="1">
-            <a:off x="5760205" y="4046502"/>
-            <a:ext cx="0" cy="1085578"/>
-          </a:xfrm>
-          <a:prstGeom prst="straightConnector1">
-            <a:avLst/>
-          </a:prstGeom>
-          <a:ln>
-            <a:tailEnd type="arrow"/>
-          </a:ln>
-        </p:spPr>
-        <p:style>
-          <a:lnRef idx="2">
-            <a:schemeClr val="accent1"/>
-          </a:lnRef>
-          <a:fillRef idx="0">
-            <a:schemeClr val="accent1"/>
-          </a:fillRef>
-          <a:effectRef idx="1">
-            <a:schemeClr val="accent1"/>
-          </a:effectRef>
-          <a:fontRef idx="minor">
-            <a:schemeClr val="tx1"/>
-          </a:fontRef>
-        </p:style>
-      </p:cxnSp>
-      <p:cxnSp>
-        <p:nvCxnSpPr>
-          <p:cNvPr id="119" name="Straight Arrow Connector 118"/>
-          <p:cNvCxnSpPr/>
-          <p:nvPr/>
-        </p:nvCxnSpPr>
-        <p:spPr>
-          <a:xfrm flipV="1">
-            <a:off x="5515997" y="3649240"/>
-            <a:ext cx="0" cy="1085578"/>
-          </a:xfrm>
-          <a:prstGeom prst="straightConnector1">
-            <a:avLst/>
-          </a:prstGeom>
-          <a:ln>
-            <a:tailEnd type="arrow"/>
-          </a:ln>
-        </p:spPr>
-        <p:style>
-          <a:lnRef idx="2">
-            <a:schemeClr val="accent1"/>
-          </a:lnRef>
-          <a:fillRef idx="0">
-            <a:schemeClr val="accent1"/>
-          </a:fillRef>
-          <a:effectRef idx="1">
-            <a:schemeClr val="accent1"/>
-          </a:effectRef>
-          <a:fontRef idx="minor">
-            <a:schemeClr val="tx1"/>
-          </a:fontRef>
-        </p:style>
-      </p:cxnSp>
-      <p:cxnSp>
-        <p:nvCxnSpPr>
-          <p:cNvPr id="120" name="Straight Arrow Connector 119"/>
-          <p:cNvCxnSpPr/>
-          <p:nvPr/>
-        </p:nvCxnSpPr>
-        <p:spPr>
-          <a:xfrm flipV="1">
-            <a:off x="5264805" y="3403501"/>
-            <a:ext cx="0" cy="1085578"/>
-          </a:xfrm>
-          <a:prstGeom prst="straightConnector1">
-            <a:avLst/>
-          </a:prstGeom>
-          <a:ln>
-            <a:tailEnd type="arrow"/>
-          </a:ln>
-        </p:spPr>
-        <p:style>
-          <a:lnRef idx="2">
-            <a:schemeClr val="accent1"/>
-          </a:lnRef>
-          <a:fillRef idx="0">
-            <a:schemeClr val="accent1"/>
-          </a:fillRef>
-          <a:effectRef idx="1">
-            <a:schemeClr val="accent1"/>
-          </a:effectRef>
-          <a:fontRef idx="minor">
-            <a:schemeClr val="tx1"/>
-          </a:fontRef>
-        </p:style>
-      </p:cxnSp>
-      <p:cxnSp>
-        <p:nvCxnSpPr>
-          <p:cNvPr id="121" name="Straight Arrow Connector 120"/>
-          <p:cNvCxnSpPr/>
-          <p:nvPr/>
-        </p:nvCxnSpPr>
-        <p:spPr>
-          <a:xfrm flipV="1">
-            <a:off x="3685798" y="4136784"/>
-            <a:ext cx="0" cy="1085578"/>
-          </a:xfrm>
-          <a:prstGeom prst="straightConnector1">
-            <a:avLst/>
-          </a:prstGeom>
-          <a:ln>
-            <a:tailEnd type="arrow"/>
-          </a:ln>
-        </p:spPr>
-        <p:style>
-          <a:lnRef idx="2">
-            <a:schemeClr val="accent1"/>
-          </a:lnRef>
-          <a:fillRef idx="0">
-            <a:schemeClr val="accent1"/>
-          </a:fillRef>
-          <a:effectRef idx="1">
-            <a:schemeClr val="accent1"/>
-          </a:effectRef>
-          <a:fontRef idx="minor">
-            <a:schemeClr val="tx1"/>
-          </a:fontRef>
-        </p:style>
-      </p:cxnSp>
-      <p:cxnSp>
-        <p:nvCxnSpPr>
-          <p:cNvPr id="122" name="Straight Arrow Connector 121"/>
-          <p:cNvCxnSpPr/>
-          <p:nvPr/>
-        </p:nvCxnSpPr>
-        <p:spPr>
-          <a:xfrm flipV="1">
-            <a:off x="3441585" y="3991257"/>
-            <a:ext cx="0" cy="1085578"/>
-          </a:xfrm>
-          <a:prstGeom prst="straightConnector1">
-            <a:avLst/>
-          </a:prstGeom>
-          <a:ln>
-            <a:tailEnd type="arrow"/>
-          </a:ln>
-        </p:spPr>
-        <p:style>
-          <a:lnRef idx="2">
-            <a:schemeClr val="accent1"/>
-          </a:lnRef>
-          <a:fillRef idx="0">
-            <a:schemeClr val="accent1"/>
-          </a:fillRef>
-          <a:effectRef idx="1">
-            <a:schemeClr val="accent1"/>
-          </a:effectRef>
-          <a:fontRef idx="minor">
-            <a:schemeClr val="tx1"/>
-          </a:fontRef>
-        </p:style>
-      </p:cxnSp>
-      <p:cxnSp>
-        <p:nvCxnSpPr>
-          <p:cNvPr id="123" name="Straight Arrow Connector 122"/>
-          <p:cNvCxnSpPr/>
-          <p:nvPr/>
-        </p:nvCxnSpPr>
-        <p:spPr>
-          <a:xfrm flipV="1">
-            <a:off x="3197377" y="3593995"/>
-            <a:ext cx="0" cy="1085578"/>
-          </a:xfrm>
-          <a:prstGeom prst="straightConnector1">
-            <a:avLst/>
-          </a:prstGeom>
-          <a:ln>
-            <a:tailEnd type="arrow"/>
-          </a:ln>
-        </p:spPr>
-        <p:style>
-          <a:lnRef idx="2">
-            <a:schemeClr val="accent1"/>
-          </a:lnRef>
-          <a:fillRef idx="0">
-            <a:schemeClr val="accent1"/>
-          </a:fillRef>
-          <a:effectRef idx="1">
-            <a:schemeClr val="accent1"/>
-          </a:effectRef>
-          <a:fontRef idx="minor">
-            <a:schemeClr val="tx1"/>
-          </a:fontRef>
-        </p:style>
-      </p:cxnSp>
-      <p:cxnSp>
-        <p:nvCxnSpPr>
-          <p:cNvPr id="124" name="Straight Arrow Connector 123"/>
-          <p:cNvCxnSpPr/>
-          <p:nvPr/>
-        </p:nvCxnSpPr>
-        <p:spPr>
-          <a:xfrm flipV="1">
-            <a:off x="2946185" y="3348256"/>
-            <a:ext cx="0" cy="1085578"/>
-          </a:xfrm>
-          <a:prstGeom prst="straightConnector1">
-            <a:avLst/>
-          </a:prstGeom>
-          <a:ln>
-            <a:tailEnd type="arrow"/>
-          </a:ln>
-        </p:spPr>
-        <p:style>
-          <a:lnRef idx="2">
-            <a:schemeClr val="accent1"/>
-          </a:lnRef>
-          <a:fillRef idx="0">
-            <a:schemeClr val="accent1"/>
-          </a:fillRef>
-          <a:effectRef idx="1">
-            <a:schemeClr val="accent1"/>
-          </a:effectRef>
-          <a:fontRef idx="minor">
-            <a:schemeClr val="tx1"/>
-          </a:fontRef>
-        </p:style>
-      </p:cxnSp>
-      <p:sp>
-        <p:nvSpPr>
-          <p:cNvPr id="129" name="TextBox 128"/>
-          <p:cNvSpPr txBox="1"/>
-          <p:nvPr/>
-        </p:nvSpPr>
-        <p:spPr>
-          <a:xfrm>
-            <a:off x="330313" y="5080334"/>
-            <a:ext cx="1414345" cy="369332"/>
-          </a:xfrm>
-          <a:prstGeom prst="rect">
-            <a:avLst/>
-          </a:prstGeom>
-          <a:noFill/>
-        </p:spPr>
-        <p:txBody>
-          <a:bodyPr wrap="none" rtlCol="0">
-            <a:spAutoFit/>
-          </a:bodyPr>
-          <a:lstStyle/>
-          <a:p>
-            <a:r>
-              <a:rPr lang="en-US" dirty="0" smtClean="0"/>
-              <a:t>Weather(t-8)</a:t>
-            </a:r>
-            <a:endParaRPr lang="en-US" dirty="0"/>
-          </a:p>
-        </p:txBody>
-      </p:sp>
-      <p:sp>
-        <p:nvSpPr>
-          <p:cNvPr id="135" name="TextBox 134"/>
-          <p:cNvSpPr txBox="1"/>
-          <p:nvPr/>
-        </p:nvSpPr>
-        <p:spPr>
-          <a:xfrm>
-            <a:off x="7587675" y="1716109"/>
-            <a:ext cx="1458640" cy="369332"/>
-          </a:xfrm>
-          <a:prstGeom prst="rect">
-            <a:avLst/>
-          </a:prstGeom>
-          <a:noFill/>
-        </p:spPr>
-        <p:txBody>
-          <a:bodyPr wrap="none" rtlCol="0">
-            <a:spAutoFit/>
-          </a:bodyPr>
-          <a:lstStyle/>
-          <a:p>
-            <a:r>
-              <a:rPr lang="en-US" dirty="0" smtClean="0"/>
-              <a:t>Weather(t+1)</a:t>
-            </a:r>
-          </a:p>
-        </p:txBody>
-      </p:sp>
-      <p:sp>
-        <p:nvSpPr>
-          <p:cNvPr id="136" name="TextBox 135"/>
-          <p:cNvSpPr txBox="1"/>
-          <p:nvPr/>
-        </p:nvSpPr>
-        <p:spPr>
-          <a:xfrm>
-            <a:off x="2686193" y="5743727"/>
-            <a:ext cx="1588934" cy="369332"/>
-          </a:xfrm>
-          <a:prstGeom prst="rect">
-            <a:avLst/>
-          </a:prstGeom>
-          <a:noFill/>
-        </p:spPr>
-        <p:txBody>
-          <a:bodyPr wrap="none" rtlCol="0">
-            <a:spAutoFit/>
-          </a:bodyPr>
-          <a:lstStyle/>
-          <a:p>
-            <a:r>
-              <a:rPr lang="en-US" dirty="0" smtClean="0"/>
-              <a:t>Hidden Layer 1</a:t>
-            </a:r>
-            <a:endParaRPr lang="en-US" dirty="0"/>
-          </a:p>
-        </p:txBody>
-      </p:sp>
-      <p:sp>
-        <p:nvSpPr>
-          <p:cNvPr id="137" name="TextBox 136"/>
-          <p:cNvSpPr txBox="1"/>
-          <p:nvPr/>
-        </p:nvSpPr>
-        <p:spPr>
-          <a:xfrm>
-            <a:off x="4910931" y="5743727"/>
-            <a:ext cx="1588934" cy="369332"/>
-          </a:xfrm>
-          <a:prstGeom prst="rect">
-            <a:avLst/>
-          </a:prstGeom>
-          <a:noFill/>
-        </p:spPr>
-        <p:txBody>
-          <a:bodyPr wrap="none" rtlCol="0">
-            <a:spAutoFit/>
-          </a:bodyPr>
-          <a:lstStyle/>
-          <a:p>
-            <a:r>
-              <a:rPr lang="en-US" dirty="0" smtClean="0"/>
-              <a:t>Hidden Layer 2</a:t>
-            </a:r>
-            <a:endParaRPr lang="en-US" dirty="0"/>
-          </a:p>
-        </p:txBody>
-      </p:sp>
+        </p:grpSpPr>
+        <p:grpSp>
+          <p:nvGrpSpPr>
+            <p:cNvPr id="3" name="Group 2"/>
+            <p:cNvGrpSpPr/>
+            <p:nvPr/>
+          </p:nvGrpSpPr>
+          <p:grpSpPr>
+            <a:xfrm>
+              <a:off x="25340" y="1294881"/>
+              <a:ext cx="9465998" cy="4910511"/>
+              <a:chOff x="25340" y="1294881"/>
+              <a:chExt cx="9465998" cy="4910511"/>
+            </a:xfrm>
+          </p:grpSpPr>
+          <p:sp>
+            <p:nvSpPr>
+              <p:cNvPr id="4" name="Oval 3"/>
+              <p:cNvSpPr/>
+              <p:nvPr/>
+            </p:nvSpPr>
+            <p:spPr>
+              <a:xfrm>
+                <a:off x="2833848" y="2911594"/>
+                <a:ext cx="361850" cy="361850"/>
+              </a:xfrm>
+              <a:prstGeom prst="ellipse">
+                <a:avLst/>
+              </a:prstGeom>
+              <a:ln/>
+            </p:spPr>
+            <p:style>
+              <a:lnRef idx="1">
+                <a:schemeClr val="accent1"/>
+              </a:lnRef>
+              <a:fillRef idx="3">
+                <a:schemeClr val="accent1"/>
+              </a:fillRef>
+              <a:effectRef idx="2">
+                <a:schemeClr val="accent1"/>
+              </a:effectRef>
+              <a:fontRef idx="minor">
+                <a:schemeClr val="lt1"/>
+              </a:fontRef>
+            </p:style>
+            <p:txBody>
+              <a:bodyPr rtlCol="0" anchor="ctr"/>
+              <a:lstStyle/>
+              <a:p>
+                <a:pPr algn="ctr"/>
+                <a:endParaRPr lang="en-US"/>
+              </a:p>
+            </p:txBody>
+          </p:sp>
+          <p:sp>
+            <p:nvSpPr>
+              <p:cNvPr id="5" name="Oval 4"/>
+              <p:cNvSpPr/>
+              <p:nvPr/>
+            </p:nvSpPr>
+            <p:spPr>
+              <a:xfrm>
+                <a:off x="3098993" y="3182575"/>
+                <a:ext cx="361850" cy="361850"/>
+              </a:xfrm>
+              <a:prstGeom prst="ellipse">
+                <a:avLst/>
+              </a:prstGeom>
+              <a:ln/>
+            </p:spPr>
+            <p:style>
+              <a:lnRef idx="1">
+                <a:schemeClr val="accent1"/>
+              </a:lnRef>
+              <a:fillRef idx="3">
+                <a:schemeClr val="accent1"/>
+              </a:fillRef>
+              <a:effectRef idx="2">
+                <a:schemeClr val="accent1"/>
+              </a:effectRef>
+              <a:fontRef idx="minor">
+                <a:schemeClr val="lt1"/>
+              </a:fontRef>
+            </p:style>
+            <p:txBody>
+              <a:bodyPr rtlCol="0" anchor="ctr"/>
+              <a:lstStyle/>
+              <a:p>
+                <a:pPr algn="ctr"/>
+                <a:endParaRPr lang="en-US"/>
+              </a:p>
+            </p:txBody>
+          </p:sp>
+          <p:sp>
+            <p:nvSpPr>
+              <p:cNvPr id="6" name="Oval 5"/>
+              <p:cNvSpPr/>
+              <p:nvPr/>
+            </p:nvSpPr>
+            <p:spPr>
+              <a:xfrm>
+                <a:off x="3364138" y="3447685"/>
+                <a:ext cx="361850" cy="361850"/>
+              </a:xfrm>
+              <a:prstGeom prst="ellipse">
+                <a:avLst/>
+              </a:prstGeom>
+              <a:ln/>
+            </p:spPr>
+            <p:style>
+              <a:lnRef idx="1">
+                <a:schemeClr val="accent1"/>
+              </a:lnRef>
+              <a:fillRef idx="3">
+                <a:schemeClr val="accent1"/>
+              </a:fillRef>
+              <a:effectRef idx="2">
+                <a:schemeClr val="accent1"/>
+              </a:effectRef>
+              <a:fontRef idx="minor">
+                <a:schemeClr val="lt1"/>
+              </a:fontRef>
+            </p:style>
+            <p:txBody>
+              <a:bodyPr rtlCol="0" anchor="ctr"/>
+              <a:lstStyle/>
+              <a:p>
+                <a:pPr algn="ctr"/>
+                <a:endParaRPr lang="en-US"/>
+              </a:p>
+            </p:txBody>
+          </p:sp>
+          <p:sp>
+            <p:nvSpPr>
+              <p:cNvPr id="7" name="Oval 6"/>
+              <p:cNvSpPr/>
+              <p:nvPr/>
+            </p:nvSpPr>
+            <p:spPr>
+              <a:xfrm>
+                <a:off x="3629283" y="3712795"/>
+                <a:ext cx="361850" cy="361850"/>
+              </a:xfrm>
+              <a:prstGeom prst="ellipse">
+                <a:avLst/>
+              </a:prstGeom>
+              <a:ln/>
+            </p:spPr>
+            <p:style>
+              <a:lnRef idx="1">
+                <a:schemeClr val="accent1"/>
+              </a:lnRef>
+              <a:fillRef idx="3">
+                <a:schemeClr val="accent1"/>
+              </a:fillRef>
+              <a:effectRef idx="2">
+                <a:schemeClr val="accent1"/>
+              </a:effectRef>
+              <a:fontRef idx="minor">
+                <a:schemeClr val="lt1"/>
+              </a:fontRef>
+            </p:style>
+            <p:txBody>
+              <a:bodyPr rtlCol="0" anchor="ctr"/>
+              <a:lstStyle/>
+              <a:p>
+                <a:pPr algn="ctr"/>
+                <a:endParaRPr lang="en-US"/>
+              </a:p>
+            </p:txBody>
+          </p:sp>
+          <p:sp>
+            <p:nvSpPr>
+              <p:cNvPr id="8" name="Oval 7"/>
+              <p:cNvSpPr/>
+              <p:nvPr/>
+            </p:nvSpPr>
+            <p:spPr>
+              <a:xfrm>
+                <a:off x="1783733" y="3478946"/>
+                <a:ext cx="361850" cy="361850"/>
+              </a:xfrm>
+              <a:prstGeom prst="ellipse">
+                <a:avLst/>
+              </a:prstGeom>
+              <a:ln/>
+            </p:spPr>
+            <p:style>
+              <a:lnRef idx="1">
+                <a:schemeClr val="accent1"/>
+              </a:lnRef>
+              <a:fillRef idx="3">
+                <a:schemeClr val="accent1"/>
+              </a:fillRef>
+              <a:effectRef idx="2">
+                <a:schemeClr val="accent1"/>
+              </a:effectRef>
+              <a:fontRef idx="minor">
+                <a:schemeClr val="lt1"/>
+              </a:fontRef>
+            </p:style>
+            <p:txBody>
+              <a:bodyPr rtlCol="0" anchor="ctr"/>
+              <a:lstStyle/>
+              <a:p>
+                <a:pPr algn="ctr"/>
+                <a:endParaRPr lang="en-US"/>
+              </a:p>
+            </p:txBody>
+          </p:sp>
+          <p:sp>
+            <p:nvSpPr>
+              <p:cNvPr id="9" name="Oval 8"/>
+              <p:cNvSpPr/>
+              <p:nvPr/>
+            </p:nvSpPr>
+            <p:spPr>
+              <a:xfrm>
+                <a:off x="5135315" y="2931421"/>
+                <a:ext cx="361850" cy="361850"/>
+              </a:xfrm>
+              <a:prstGeom prst="ellipse">
+                <a:avLst/>
+              </a:prstGeom>
+              <a:ln/>
+            </p:spPr>
+            <p:style>
+              <a:lnRef idx="1">
+                <a:schemeClr val="accent1"/>
+              </a:lnRef>
+              <a:fillRef idx="3">
+                <a:schemeClr val="accent1"/>
+              </a:fillRef>
+              <a:effectRef idx="2">
+                <a:schemeClr val="accent1"/>
+              </a:effectRef>
+              <a:fontRef idx="minor">
+                <a:schemeClr val="lt1"/>
+              </a:fontRef>
+            </p:style>
+            <p:txBody>
+              <a:bodyPr rtlCol="0" anchor="ctr"/>
+              <a:lstStyle/>
+              <a:p>
+                <a:pPr algn="ctr"/>
+                <a:endParaRPr lang="en-US"/>
+              </a:p>
+            </p:txBody>
+          </p:sp>
+          <p:sp>
+            <p:nvSpPr>
+              <p:cNvPr id="10" name="Oval 9"/>
+              <p:cNvSpPr/>
+              <p:nvPr/>
+            </p:nvSpPr>
+            <p:spPr>
+              <a:xfrm>
+                <a:off x="5400460" y="3202402"/>
+                <a:ext cx="361850" cy="361850"/>
+              </a:xfrm>
+              <a:prstGeom prst="ellipse">
+                <a:avLst/>
+              </a:prstGeom>
+              <a:ln/>
+            </p:spPr>
+            <p:style>
+              <a:lnRef idx="1">
+                <a:schemeClr val="accent1"/>
+              </a:lnRef>
+              <a:fillRef idx="3">
+                <a:schemeClr val="accent1"/>
+              </a:fillRef>
+              <a:effectRef idx="2">
+                <a:schemeClr val="accent1"/>
+              </a:effectRef>
+              <a:fontRef idx="minor">
+                <a:schemeClr val="lt1"/>
+              </a:fontRef>
+            </p:style>
+            <p:txBody>
+              <a:bodyPr rtlCol="0" anchor="ctr"/>
+              <a:lstStyle/>
+              <a:p>
+                <a:pPr algn="ctr"/>
+                <a:endParaRPr lang="en-US"/>
+              </a:p>
+            </p:txBody>
+          </p:sp>
+          <p:sp>
+            <p:nvSpPr>
+              <p:cNvPr id="11" name="Oval 10"/>
+              <p:cNvSpPr/>
+              <p:nvPr/>
+            </p:nvSpPr>
+            <p:spPr>
+              <a:xfrm>
+                <a:off x="5665605" y="3467512"/>
+                <a:ext cx="361850" cy="361850"/>
+              </a:xfrm>
+              <a:prstGeom prst="ellipse">
+                <a:avLst/>
+              </a:prstGeom>
+              <a:ln/>
+            </p:spPr>
+            <p:style>
+              <a:lnRef idx="1">
+                <a:schemeClr val="accent1"/>
+              </a:lnRef>
+              <a:fillRef idx="3">
+                <a:schemeClr val="accent1"/>
+              </a:fillRef>
+              <a:effectRef idx="2">
+                <a:schemeClr val="accent1"/>
+              </a:effectRef>
+              <a:fontRef idx="minor">
+                <a:schemeClr val="lt1"/>
+              </a:fontRef>
+            </p:style>
+            <p:txBody>
+              <a:bodyPr rtlCol="0" anchor="ctr"/>
+              <a:lstStyle/>
+              <a:p>
+                <a:pPr algn="ctr"/>
+                <a:endParaRPr lang="en-US"/>
+              </a:p>
+            </p:txBody>
+          </p:sp>
+          <p:sp>
+            <p:nvSpPr>
+              <p:cNvPr id="12" name="Oval 11"/>
+              <p:cNvSpPr/>
+              <p:nvPr/>
+            </p:nvSpPr>
+            <p:spPr>
+              <a:xfrm>
+                <a:off x="5930750" y="3732622"/>
+                <a:ext cx="361850" cy="361850"/>
+              </a:xfrm>
+              <a:prstGeom prst="ellipse">
+                <a:avLst/>
+              </a:prstGeom>
+              <a:ln/>
+            </p:spPr>
+            <p:style>
+              <a:lnRef idx="1">
+                <a:schemeClr val="accent1"/>
+              </a:lnRef>
+              <a:fillRef idx="3">
+                <a:schemeClr val="accent1"/>
+              </a:fillRef>
+              <a:effectRef idx="2">
+                <a:schemeClr val="accent1"/>
+              </a:effectRef>
+              <a:fontRef idx="minor">
+                <a:schemeClr val="lt1"/>
+              </a:fontRef>
+            </p:style>
+            <p:txBody>
+              <a:bodyPr rtlCol="0" anchor="ctr"/>
+              <a:lstStyle/>
+              <a:p>
+                <a:pPr algn="ctr"/>
+                <a:endParaRPr lang="en-US"/>
+              </a:p>
+            </p:txBody>
+          </p:sp>
+          <p:cxnSp>
+            <p:nvCxnSpPr>
+              <p:cNvPr id="31" name="Straight Arrow Connector 30"/>
+              <p:cNvCxnSpPr/>
+              <p:nvPr/>
+            </p:nvCxnSpPr>
+            <p:spPr>
+              <a:xfrm flipV="1">
+                <a:off x="2090743" y="3147612"/>
+                <a:ext cx="676817" cy="282380"/>
+              </a:xfrm>
+              <a:prstGeom prst="straightConnector1">
+                <a:avLst/>
+              </a:prstGeom>
+              <a:ln>
+                <a:tailEnd type="arrow"/>
+              </a:ln>
+            </p:spPr>
+            <p:style>
+              <a:lnRef idx="1">
+                <a:schemeClr val="accent1"/>
+              </a:lnRef>
+              <a:fillRef idx="3">
+                <a:schemeClr val="accent1"/>
+              </a:fillRef>
+              <a:effectRef idx="2">
+                <a:schemeClr val="accent1"/>
+              </a:effectRef>
+              <a:fontRef idx="minor">
+                <a:schemeClr val="lt1"/>
+              </a:fontRef>
+            </p:style>
+          </p:cxnSp>
+          <p:cxnSp>
+            <p:nvCxnSpPr>
+              <p:cNvPr id="33" name="Straight Arrow Connector 32"/>
+              <p:cNvCxnSpPr/>
+              <p:nvPr/>
+            </p:nvCxnSpPr>
+            <p:spPr>
+              <a:xfrm flipV="1">
+                <a:off x="2289603" y="3370936"/>
+                <a:ext cx="708214" cy="145722"/>
+              </a:xfrm>
+              <a:prstGeom prst="straightConnector1">
+                <a:avLst/>
+              </a:prstGeom>
+              <a:ln>
+                <a:tailEnd type="arrow"/>
+              </a:ln>
+            </p:spPr>
+            <p:style>
+              <a:lnRef idx="1">
+                <a:schemeClr val="accent1"/>
+              </a:lnRef>
+              <a:fillRef idx="3">
+                <a:schemeClr val="accent1"/>
+              </a:fillRef>
+              <a:effectRef idx="2">
+                <a:schemeClr val="accent1"/>
+              </a:effectRef>
+              <a:fontRef idx="minor">
+                <a:schemeClr val="lt1"/>
+              </a:fontRef>
+            </p:style>
+          </p:cxnSp>
+          <p:cxnSp>
+            <p:nvCxnSpPr>
+              <p:cNvPr id="35" name="Straight Arrow Connector 34"/>
+              <p:cNvCxnSpPr/>
+              <p:nvPr/>
+            </p:nvCxnSpPr>
+            <p:spPr>
+              <a:xfrm>
+                <a:off x="2387288" y="3637796"/>
+                <a:ext cx="879164" cy="1"/>
+              </a:xfrm>
+              <a:prstGeom prst="straightConnector1">
+                <a:avLst/>
+              </a:prstGeom>
+              <a:ln>
+                <a:tailEnd type="arrow"/>
+              </a:ln>
+            </p:spPr>
+            <p:style>
+              <a:lnRef idx="1">
+                <a:schemeClr val="accent1"/>
+              </a:lnRef>
+              <a:fillRef idx="3">
+                <a:schemeClr val="accent1"/>
+              </a:fillRef>
+              <a:effectRef idx="2">
+                <a:schemeClr val="accent1"/>
+              </a:effectRef>
+              <a:fontRef idx="minor">
+                <a:schemeClr val="lt1"/>
+              </a:fontRef>
+            </p:style>
+          </p:cxnSp>
+          <p:cxnSp>
+            <p:nvCxnSpPr>
+              <p:cNvPr id="37" name="Straight Arrow Connector 36"/>
+              <p:cNvCxnSpPr/>
+              <p:nvPr/>
+            </p:nvCxnSpPr>
+            <p:spPr>
+              <a:xfrm>
+                <a:off x="2242504" y="3807057"/>
+                <a:ext cx="1182687" cy="112711"/>
+              </a:xfrm>
+              <a:prstGeom prst="straightConnector1">
+                <a:avLst/>
+              </a:prstGeom>
+              <a:ln>
+                <a:tailEnd type="arrow"/>
+              </a:ln>
+            </p:spPr>
+            <p:style>
+              <a:lnRef idx="1">
+                <a:schemeClr val="accent1"/>
+              </a:lnRef>
+              <a:fillRef idx="3">
+                <a:schemeClr val="accent1"/>
+              </a:fillRef>
+              <a:effectRef idx="2">
+                <a:schemeClr val="accent1"/>
+              </a:effectRef>
+              <a:fontRef idx="minor">
+                <a:schemeClr val="lt1"/>
+              </a:fontRef>
+            </p:style>
+          </p:cxnSp>
+          <p:cxnSp>
+            <p:nvCxnSpPr>
+              <p:cNvPr id="39" name="Straight Arrow Connector 38"/>
+              <p:cNvCxnSpPr/>
+              <p:nvPr/>
+            </p:nvCxnSpPr>
+            <p:spPr>
+              <a:xfrm>
+                <a:off x="3266452" y="3098924"/>
+                <a:ext cx="1688552" cy="0"/>
+              </a:xfrm>
+              <a:prstGeom prst="straightConnector1">
+                <a:avLst/>
+              </a:prstGeom>
+              <a:ln>
+                <a:tailEnd type="arrow"/>
+              </a:ln>
+            </p:spPr>
+            <p:style>
+              <a:lnRef idx="1">
+                <a:schemeClr val="accent1"/>
+              </a:lnRef>
+              <a:fillRef idx="3">
+                <a:schemeClr val="accent1"/>
+              </a:fillRef>
+              <a:effectRef idx="2">
+                <a:schemeClr val="accent1"/>
+              </a:effectRef>
+              <a:fontRef idx="minor">
+                <a:schemeClr val="lt1"/>
+              </a:fontRef>
+            </p:style>
+          </p:cxnSp>
+          <p:cxnSp>
+            <p:nvCxnSpPr>
+              <p:cNvPr id="40" name="Straight Arrow Connector 39"/>
+              <p:cNvCxnSpPr/>
+              <p:nvPr/>
+            </p:nvCxnSpPr>
+            <p:spPr>
+              <a:xfrm>
+                <a:off x="3629283" y="3372651"/>
+                <a:ext cx="1688552" cy="0"/>
+              </a:xfrm>
+              <a:prstGeom prst="straightConnector1">
+                <a:avLst/>
+              </a:prstGeom>
+              <a:ln>
+                <a:tailEnd type="arrow"/>
+              </a:ln>
+            </p:spPr>
+            <p:style>
+              <a:lnRef idx="1">
+                <a:schemeClr val="accent1"/>
+              </a:lnRef>
+              <a:fillRef idx="3">
+                <a:schemeClr val="accent1"/>
+              </a:fillRef>
+              <a:effectRef idx="2">
+                <a:schemeClr val="accent1"/>
+              </a:effectRef>
+              <a:fontRef idx="minor">
+                <a:schemeClr val="lt1"/>
+              </a:fontRef>
+            </p:style>
+          </p:cxnSp>
+          <p:cxnSp>
+            <p:nvCxnSpPr>
+              <p:cNvPr id="41" name="Straight Arrow Connector 40"/>
+              <p:cNvCxnSpPr/>
+              <p:nvPr/>
+            </p:nvCxnSpPr>
+            <p:spPr>
+              <a:xfrm>
+                <a:off x="3894428" y="3624473"/>
+                <a:ext cx="1688552" cy="0"/>
+              </a:xfrm>
+              <a:prstGeom prst="straightConnector1">
+                <a:avLst/>
+              </a:prstGeom>
+              <a:ln>
+                <a:tailEnd type="arrow"/>
+              </a:ln>
+            </p:spPr>
+            <p:style>
+              <a:lnRef idx="1">
+                <a:schemeClr val="accent1"/>
+              </a:lnRef>
+              <a:fillRef idx="3">
+                <a:schemeClr val="accent1"/>
+              </a:fillRef>
+              <a:effectRef idx="2">
+                <a:schemeClr val="accent1"/>
+              </a:effectRef>
+              <a:fontRef idx="minor">
+                <a:schemeClr val="lt1"/>
+              </a:fontRef>
+            </p:style>
+          </p:cxnSp>
+          <p:cxnSp>
+            <p:nvCxnSpPr>
+              <p:cNvPr id="42" name="Straight Arrow Connector 41"/>
+              <p:cNvCxnSpPr/>
+              <p:nvPr/>
+            </p:nvCxnSpPr>
+            <p:spPr>
+              <a:xfrm>
+                <a:off x="4110728" y="3903575"/>
+                <a:ext cx="1688552" cy="0"/>
+              </a:xfrm>
+              <a:prstGeom prst="straightConnector1">
+                <a:avLst/>
+              </a:prstGeom>
+              <a:ln>
+                <a:tailEnd type="arrow"/>
+              </a:ln>
+            </p:spPr>
+            <p:style>
+              <a:lnRef idx="1">
+                <a:schemeClr val="accent1"/>
+              </a:lnRef>
+              <a:fillRef idx="3">
+                <a:schemeClr val="accent1"/>
+              </a:fillRef>
+              <a:effectRef idx="2">
+                <a:schemeClr val="accent1"/>
+              </a:effectRef>
+              <a:fontRef idx="minor">
+                <a:schemeClr val="lt1"/>
+              </a:fontRef>
+            </p:style>
+          </p:cxnSp>
+          <p:sp>
+            <p:nvSpPr>
+              <p:cNvPr id="43" name="Oval 42"/>
+              <p:cNvSpPr/>
+              <p:nvPr/>
+            </p:nvSpPr>
+            <p:spPr>
+              <a:xfrm>
+                <a:off x="2831756" y="1294881"/>
+                <a:ext cx="349987" cy="349987"/>
+              </a:xfrm>
+              <a:prstGeom prst="ellipse">
+                <a:avLst/>
+              </a:prstGeom>
+            </p:spPr>
+            <p:style>
+              <a:lnRef idx="1">
+                <a:schemeClr val="accent3"/>
+              </a:lnRef>
+              <a:fillRef idx="3">
+                <a:schemeClr val="accent3"/>
+              </a:fillRef>
+              <a:effectRef idx="2">
+                <a:schemeClr val="accent3"/>
+              </a:effectRef>
+              <a:fontRef idx="minor">
+                <a:schemeClr val="lt1"/>
+              </a:fontRef>
+            </p:style>
+            <p:txBody>
+              <a:bodyPr rtlCol="0" anchor="ctr"/>
+              <a:lstStyle/>
+              <a:p>
+                <a:pPr algn="ctr"/>
+                <a:endParaRPr lang="en-US"/>
+              </a:p>
+            </p:txBody>
+          </p:sp>
+          <p:sp>
+            <p:nvSpPr>
+              <p:cNvPr id="44" name="Oval 43"/>
+              <p:cNvSpPr/>
+              <p:nvPr/>
+            </p:nvSpPr>
+            <p:spPr>
+              <a:xfrm>
+                <a:off x="3096901" y="1565862"/>
+                <a:ext cx="349987" cy="349987"/>
+              </a:xfrm>
+              <a:prstGeom prst="ellipse">
+                <a:avLst/>
+              </a:prstGeom>
+            </p:spPr>
+            <p:style>
+              <a:lnRef idx="1">
+                <a:schemeClr val="accent3"/>
+              </a:lnRef>
+              <a:fillRef idx="3">
+                <a:schemeClr val="accent3"/>
+              </a:fillRef>
+              <a:effectRef idx="2">
+                <a:schemeClr val="accent3"/>
+              </a:effectRef>
+              <a:fontRef idx="minor">
+                <a:schemeClr val="lt1"/>
+              </a:fontRef>
+            </p:style>
+            <p:txBody>
+              <a:bodyPr rtlCol="0" anchor="ctr"/>
+              <a:lstStyle/>
+              <a:p>
+                <a:pPr algn="ctr"/>
+                <a:endParaRPr lang="en-US"/>
+              </a:p>
+            </p:txBody>
+          </p:sp>
+          <p:sp>
+            <p:nvSpPr>
+              <p:cNvPr id="45" name="Oval 44"/>
+              <p:cNvSpPr/>
+              <p:nvPr/>
+            </p:nvSpPr>
+            <p:spPr>
+              <a:xfrm>
+                <a:off x="3362046" y="1830972"/>
+                <a:ext cx="349987" cy="349987"/>
+              </a:xfrm>
+              <a:prstGeom prst="ellipse">
+                <a:avLst/>
+              </a:prstGeom>
+            </p:spPr>
+            <p:style>
+              <a:lnRef idx="1">
+                <a:schemeClr val="accent3"/>
+              </a:lnRef>
+              <a:fillRef idx="3">
+                <a:schemeClr val="accent3"/>
+              </a:fillRef>
+              <a:effectRef idx="2">
+                <a:schemeClr val="accent3"/>
+              </a:effectRef>
+              <a:fontRef idx="minor">
+                <a:schemeClr val="lt1"/>
+              </a:fontRef>
+            </p:style>
+            <p:txBody>
+              <a:bodyPr rtlCol="0" anchor="ctr"/>
+              <a:lstStyle/>
+              <a:p>
+                <a:pPr algn="ctr"/>
+                <a:endParaRPr lang="en-US"/>
+              </a:p>
+            </p:txBody>
+          </p:sp>
+          <p:sp>
+            <p:nvSpPr>
+              <p:cNvPr id="46" name="Oval 45"/>
+              <p:cNvSpPr/>
+              <p:nvPr/>
+            </p:nvSpPr>
+            <p:spPr>
+              <a:xfrm>
+                <a:off x="3627191" y="2096082"/>
+                <a:ext cx="349987" cy="349987"/>
+              </a:xfrm>
+              <a:prstGeom prst="ellipse">
+                <a:avLst/>
+              </a:prstGeom>
+            </p:spPr>
+            <p:style>
+              <a:lnRef idx="1">
+                <a:schemeClr val="accent3"/>
+              </a:lnRef>
+              <a:fillRef idx="3">
+                <a:schemeClr val="accent3"/>
+              </a:fillRef>
+              <a:effectRef idx="2">
+                <a:schemeClr val="accent3"/>
+              </a:effectRef>
+              <a:fontRef idx="minor">
+                <a:schemeClr val="lt1"/>
+              </a:fontRef>
+            </p:style>
+            <p:txBody>
+              <a:bodyPr rtlCol="0" anchor="ctr"/>
+              <a:lstStyle/>
+              <a:p>
+                <a:pPr algn="ctr"/>
+                <a:endParaRPr lang="en-US"/>
+              </a:p>
+            </p:txBody>
+          </p:sp>
+          <p:sp>
+            <p:nvSpPr>
+              <p:cNvPr id="47" name="Oval 46"/>
+              <p:cNvSpPr/>
+              <p:nvPr/>
+            </p:nvSpPr>
+            <p:spPr>
+              <a:xfrm>
+                <a:off x="5133223" y="1314708"/>
+                <a:ext cx="349987" cy="349987"/>
+              </a:xfrm>
+              <a:prstGeom prst="ellipse">
+                <a:avLst/>
+              </a:prstGeom>
+            </p:spPr>
+            <p:style>
+              <a:lnRef idx="1">
+                <a:schemeClr val="accent3"/>
+              </a:lnRef>
+              <a:fillRef idx="3">
+                <a:schemeClr val="accent3"/>
+              </a:fillRef>
+              <a:effectRef idx="2">
+                <a:schemeClr val="accent3"/>
+              </a:effectRef>
+              <a:fontRef idx="minor">
+                <a:schemeClr val="lt1"/>
+              </a:fontRef>
+            </p:style>
+            <p:txBody>
+              <a:bodyPr rtlCol="0" anchor="ctr"/>
+              <a:lstStyle/>
+              <a:p>
+                <a:pPr algn="ctr"/>
+                <a:endParaRPr lang="en-US"/>
+              </a:p>
+            </p:txBody>
+          </p:sp>
+          <p:sp>
+            <p:nvSpPr>
+              <p:cNvPr id="48" name="Oval 47"/>
+              <p:cNvSpPr/>
+              <p:nvPr/>
+            </p:nvSpPr>
+            <p:spPr>
+              <a:xfrm>
+                <a:off x="5398368" y="1585689"/>
+                <a:ext cx="349987" cy="349987"/>
+              </a:xfrm>
+              <a:prstGeom prst="ellipse">
+                <a:avLst/>
+              </a:prstGeom>
+            </p:spPr>
+            <p:style>
+              <a:lnRef idx="1">
+                <a:schemeClr val="accent3"/>
+              </a:lnRef>
+              <a:fillRef idx="3">
+                <a:schemeClr val="accent3"/>
+              </a:fillRef>
+              <a:effectRef idx="2">
+                <a:schemeClr val="accent3"/>
+              </a:effectRef>
+              <a:fontRef idx="minor">
+                <a:schemeClr val="lt1"/>
+              </a:fontRef>
+            </p:style>
+            <p:txBody>
+              <a:bodyPr rtlCol="0" anchor="ctr"/>
+              <a:lstStyle/>
+              <a:p>
+                <a:pPr algn="ctr"/>
+                <a:endParaRPr lang="en-US"/>
+              </a:p>
+            </p:txBody>
+          </p:sp>
+          <p:sp>
+            <p:nvSpPr>
+              <p:cNvPr id="49" name="Oval 48"/>
+              <p:cNvSpPr/>
+              <p:nvPr/>
+            </p:nvSpPr>
+            <p:spPr>
+              <a:xfrm>
+                <a:off x="5663513" y="1850799"/>
+                <a:ext cx="349987" cy="349987"/>
+              </a:xfrm>
+              <a:prstGeom prst="ellipse">
+                <a:avLst/>
+              </a:prstGeom>
+            </p:spPr>
+            <p:style>
+              <a:lnRef idx="1">
+                <a:schemeClr val="accent3"/>
+              </a:lnRef>
+              <a:fillRef idx="3">
+                <a:schemeClr val="accent3"/>
+              </a:fillRef>
+              <a:effectRef idx="2">
+                <a:schemeClr val="accent3"/>
+              </a:effectRef>
+              <a:fontRef idx="minor">
+                <a:schemeClr val="lt1"/>
+              </a:fontRef>
+            </p:style>
+            <p:txBody>
+              <a:bodyPr rtlCol="0" anchor="ctr"/>
+              <a:lstStyle/>
+              <a:p>
+                <a:pPr algn="ctr"/>
+                <a:endParaRPr lang="en-US"/>
+              </a:p>
+            </p:txBody>
+          </p:sp>
+          <p:sp>
+            <p:nvSpPr>
+              <p:cNvPr id="50" name="Oval 49"/>
+              <p:cNvSpPr/>
+              <p:nvPr/>
+            </p:nvSpPr>
+            <p:spPr>
+              <a:xfrm>
+                <a:off x="5928658" y="2115909"/>
+                <a:ext cx="349987" cy="349987"/>
+              </a:xfrm>
+              <a:prstGeom prst="ellipse">
+                <a:avLst/>
+              </a:prstGeom>
+            </p:spPr>
+            <p:style>
+              <a:lnRef idx="1">
+                <a:schemeClr val="accent3"/>
+              </a:lnRef>
+              <a:fillRef idx="3">
+                <a:schemeClr val="accent3"/>
+              </a:fillRef>
+              <a:effectRef idx="2">
+                <a:schemeClr val="accent3"/>
+              </a:effectRef>
+              <a:fontRef idx="minor">
+                <a:schemeClr val="lt1"/>
+              </a:fontRef>
+            </p:style>
+            <p:txBody>
+              <a:bodyPr rtlCol="0" anchor="ctr"/>
+              <a:lstStyle/>
+              <a:p>
+                <a:pPr algn="ctr"/>
+                <a:endParaRPr lang="en-US"/>
+              </a:p>
+            </p:txBody>
+          </p:sp>
+          <p:cxnSp>
+            <p:nvCxnSpPr>
+              <p:cNvPr id="51" name="Straight Arrow Connector 50"/>
+              <p:cNvCxnSpPr/>
+              <p:nvPr/>
+            </p:nvCxnSpPr>
+            <p:spPr>
+              <a:xfrm>
+                <a:off x="3264360" y="1470349"/>
+                <a:ext cx="1688552" cy="0"/>
+              </a:xfrm>
+              <a:prstGeom prst="straightConnector1">
+                <a:avLst/>
+              </a:prstGeom>
+              <a:ln>
+                <a:tailEnd type="arrow"/>
+              </a:ln>
+            </p:spPr>
+            <p:style>
+              <a:lnRef idx="1">
+                <a:schemeClr val="accent3"/>
+              </a:lnRef>
+              <a:fillRef idx="3">
+                <a:schemeClr val="accent3"/>
+              </a:fillRef>
+              <a:effectRef idx="2">
+                <a:schemeClr val="accent3"/>
+              </a:effectRef>
+              <a:fontRef idx="minor">
+                <a:schemeClr val="lt1"/>
+              </a:fontRef>
+            </p:style>
+          </p:cxnSp>
+          <p:cxnSp>
+            <p:nvCxnSpPr>
+              <p:cNvPr id="52" name="Straight Arrow Connector 51"/>
+              <p:cNvCxnSpPr/>
+              <p:nvPr/>
+            </p:nvCxnSpPr>
+            <p:spPr>
+              <a:xfrm>
+                <a:off x="3627191" y="1744076"/>
+                <a:ext cx="1688552" cy="0"/>
+              </a:xfrm>
+              <a:prstGeom prst="straightConnector1">
+                <a:avLst/>
+              </a:prstGeom>
+              <a:ln>
+                <a:tailEnd type="arrow"/>
+              </a:ln>
+            </p:spPr>
+            <p:style>
+              <a:lnRef idx="1">
+                <a:schemeClr val="accent3"/>
+              </a:lnRef>
+              <a:fillRef idx="3">
+                <a:schemeClr val="accent3"/>
+              </a:fillRef>
+              <a:effectRef idx="2">
+                <a:schemeClr val="accent3"/>
+              </a:effectRef>
+              <a:fontRef idx="minor">
+                <a:schemeClr val="lt1"/>
+              </a:fontRef>
+            </p:style>
+          </p:cxnSp>
+          <p:cxnSp>
+            <p:nvCxnSpPr>
+              <p:cNvPr id="53" name="Straight Arrow Connector 52"/>
+              <p:cNvCxnSpPr/>
+              <p:nvPr/>
+            </p:nvCxnSpPr>
+            <p:spPr>
+              <a:xfrm>
+                <a:off x="3892336" y="1995898"/>
+                <a:ext cx="1688552" cy="0"/>
+              </a:xfrm>
+              <a:prstGeom prst="straightConnector1">
+                <a:avLst/>
+              </a:prstGeom>
+              <a:ln>
+                <a:tailEnd type="arrow"/>
+              </a:ln>
+            </p:spPr>
+            <p:style>
+              <a:lnRef idx="1">
+                <a:schemeClr val="accent3"/>
+              </a:lnRef>
+              <a:fillRef idx="3">
+                <a:schemeClr val="accent3"/>
+              </a:fillRef>
+              <a:effectRef idx="2">
+                <a:schemeClr val="accent3"/>
+              </a:effectRef>
+              <a:fontRef idx="minor">
+                <a:schemeClr val="lt1"/>
+              </a:fontRef>
+            </p:style>
+          </p:cxnSp>
+          <p:cxnSp>
+            <p:nvCxnSpPr>
+              <p:cNvPr id="54" name="Straight Arrow Connector 53"/>
+              <p:cNvCxnSpPr/>
+              <p:nvPr/>
+            </p:nvCxnSpPr>
+            <p:spPr>
+              <a:xfrm>
+                <a:off x="4108636" y="2275000"/>
+                <a:ext cx="1688552" cy="0"/>
+              </a:xfrm>
+              <a:prstGeom prst="straightConnector1">
+                <a:avLst/>
+              </a:prstGeom>
+              <a:ln>
+                <a:tailEnd type="arrow"/>
+              </a:ln>
+            </p:spPr>
+            <p:style>
+              <a:lnRef idx="1">
+                <a:schemeClr val="accent3"/>
+              </a:lnRef>
+              <a:fillRef idx="3">
+                <a:schemeClr val="accent3"/>
+              </a:fillRef>
+              <a:effectRef idx="2">
+                <a:schemeClr val="accent3"/>
+              </a:effectRef>
+              <a:fontRef idx="minor">
+                <a:schemeClr val="lt1"/>
+              </a:fontRef>
+            </p:style>
+          </p:cxnSp>
+          <p:cxnSp>
+            <p:nvCxnSpPr>
+              <p:cNvPr id="56" name="Straight Arrow Connector 55"/>
+              <p:cNvCxnSpPr/>
+              <p:nvPr/>
+            </p:nvCxnSpPr>
+            <p:spPr>
+              <a:xfrm flipH="1" flipV="1">
+                <a:off x="6043493" y="2538898"/>
+                <a:ext cx="19830" cy="1085575"/>
+              </a:xfrm>
+              <a:prstGeom prst="straightConnector1">
+                <a:avLst/>
+              </a:prstGeom>
+              <a:ln>
+                <a:tailEnd type="arrow"/>
+              </a:ln>
+            </p:spPr>
+            <p:style>
+              <a:lnRef idx="1">
+                <a:schemeClr val="dk1"/>
+              </a:lnRef>
+              <a:fillRef idx="0">
+                <a:schemeClr val="dk1"/>
+              </a:fillRef>
+              <a:effectRef idx="0">
+                <a:schemeClr val="dk1"/>
+              </a:effectRef>
+              <a:fontRef idx="minor">
+                <a:schemeClr val="tx1"/>
+              </a:fontRef>
+            </p:style>
+          </p:cxnSp>
+          <p:cxnSp>
+            <p:nvCxnSpPr>
+              <p:cNvPr id="57" name="Straight Arrow Connector 56"/>
+              <p:cNvCxnSpPr/>
+              <p:nvPr/>
+            </p:nvCxnSpPr>
+            <p:spPr>
+              <a:xfrm flipV="1">
+                <a:off x="5799280" y="2393368"/>
+                <a:ext cx="0" cy="1085578"/>
+              </a:xfrm>
+              <a:prstGeom prst="straightConnector1">
+                <a:avLst/>
+              </a:prstGeom>
+              <a:ln>
+                <a:tailEnd type="arrow"/>
+              </a:ln>
+            </p:spPr>
+            <p:style>
+              <a:lnRef idx="1">
+                <a:schemeClr val="dk1"/>
+              </a:lnRef>
+              <a:fillRef idx="0">
+                <a:schemeClr val="dk1"/>
+              </a:fillRef>
+              <a:effectRef idx="0">
+                <a:schemeClr val="dk1"/>
+              </a:effectRef>
+              <a:fontRef idx="minor">
+                <a:schemeClr val="tx1"/>
+              </a:fontRef>
+            </p:style>
+          </p:cxnSp>
+          <p:cxnSp>
+            <p:nvCxnSpPr>
+              <p:cNvPr id="58" name="Straight Arrow Connector 57"/>
+              <p:cNvCxnSpPr/>
+              <p:nvPr/>
+            </p:nvCxnSpPr>
+            <p:spPr>
+              <a:xfrm flipV="1">
+                <a:off x="5555072" y="1996106"/>
+                <a:ext cx="0" cy="1085578"/>
+              </a:xfrm>
+              <a:prstGeom prst="straightConnector1">
+                <a:avLst/>
+              </a:prstGeom>
+              <a:ln>
+                <a:tailEnd type="arrow"/>
+              </a:ln>
+            </p:spPr>
+            <p:style>
+              <a:lnRef idx="1">
+                <a:schemeClr val="dk1"/>
+              </a:lnRef>
+              <a:fillRef idx="0">
+                <a:schemeClr val="dk1"/>
+              </a:fillRef>
+              <a:effectRef idx="0">
+                <a:schemeClr val="dk1"/>
+              </a:effectRef>
+              <a:fontRef idx="minor">
+                <a:schemeClr val="tx1"/>
+              </a:fontRef>
+            </p:style>
+          </p:cxnSp>
+          <p:cxnSp>
+            <p:nvCxnSpPr>
+              <p:cNvPr id="59" name="Straight Arrow Connector 58"/>
+              <p:cNvCxnSpPr/>
+              <p:nvPr/>
+            </p:nvCxnSpPr>
+            <p:spPr>
+              <a:xfrm flipV="1">
+                <a:off x="5303880" y="1750367"/>
+                <a:ext cx="0" cy="1085578"/>
+              </a:xfrm>
+              <a:prstGeom prst="straightConnector1">
+                <a:avLst/>
+              </a:prstGeom>
+              <a:ln>
+                <a:tailEnd type="arrow"/>
+              </a:ln>
+            </p:spPr>
+            <p:style>
+              <a:lnRef idx="1">
+                <a:schemeClr val="dk1"/>
+              </a:lnRef>
+              <a:fillRef idx="0">
+                <a:schemeClr val="dk1"/>
+              </a:fillRef>
+              <a:effectRef idx="0">
+                <a:schemeClr val="dk1"/>
+              </a:effectRef>
+              <a:fontRef idx="minor">
+                <a:schemeClr val="tx1"/>
+              </a:fontRef>
+            </p:style>
+          </p:cxnSp>
+          <p:cxnSp>
+            <p:nvCxnSpPr>
+              <p:cNvPr id="60" name="Straight Arrow Connector 59"/>
+              <p:cNvCxnSpPr/>
+              <p:nvPr/>
+            </p:nvCxnSpPr>
+            <p:spPr>
+              <a:xfrm flipV="1">
+                <a:off x="3724873" y="2483650"/>
+                <a:ext cx="0" cy="1085578"/>
+              </a:xfrm>
+              <a:prstGeom prst="straightConnector1">
+                <a:avLst/>
+              </a:prstGeom>
+              <a:ln>
+                <a:tailEnd type="arrow"/>
+              </a:ln>
+            </p:spPr>
+            <p:style>
+              <a:lnRef idx="1">
+                <a:schemeClr val="dk1"/>
+              </a:lnRef>
+              <a:fillRef idx="0">
+                <a:schemeClr val="dk1"/>
+              </a:fillRef>
+              <a:effectRef idx="0">
+                <a:schemeClr val="dk1"/>
+              </a:effectRef>
+              <a:fontRef idx="minor">
+                <a:schemeClr val="tx1"/>
+              </a:fontRef>
+            </p:style>
+          </p:cxnSp>
+          <p:cxnSp>
+            <p:nvCxnSpPr>
+              <p:cNvPr id="61" name="Straight Arrow Connector 60"/>
+              <p:cNvCxnSpPr/>
+              <p:nvPr/>
+            </p:nvCxnSpPr>
+            <p:spPr>
+              <a:xfrm flipV="1">
+                <a:off x="3480660" y="2338123"/>
+                <a:ext cx="0" cy="1085578"/>
+              </a:xfrm>
+              <a:prstGeom prst="straightConnector1">
+                <a:avLst/>
+              </a:prstGeom>
+              <a:ln>
+                <a:tailEnd type="arrow"/>
+              </a:ln>
+            </p:spPr>
+            <p:style>
+              <a:lnRef idx="1">
+                <a:schemeClr val="dk1"/>
+              </a:lnRef>
+              <a:fillRef idx="0">
+                <a:schemeClr val="dk1"/>
+              </a:fillRef>
+              <a:effectRef idx="0">
+                <a:schemeClr val="dk1"/>
+              </a:effectRef>
+              <a:fontRef idx="minor">
+                <a:schemeClr val="tx1"/>
+              </a:fontRef>
+            </p:style>
+          </p:cxnSp>
+          <p:cxnSp>
+            <p:nvCxnSpPr>
+              <p:cNvPr id="62" name="Straight Arrow Connector 61"/>
+              <p:cNvCxnSpPr/>
+              <p:nvPr/>
+            </p:nvCxnSpPr>
+            <p:spPr>
+              <a:xfrm flipV="1">
+                <a:off x="3236452" y="1940861"/>
+                <a:ext cx="0" cy="1085578"/>
+              </a:xfrm>
+              <a:prstGeom prst="straightConnector1">
+                <a:avLst/>
+              </a:prstGeom>
+              <a:ln>
+                <a:tailEnd type="arrow"/>
+              </a:ln>
+            </p:spPr>
+            <p:style>
+              <a:lnRef idx="1">
+                <a:schemeClr val="dk1"/>
+              </a:lnRef>
+              <a:fillRef idx="0">
+                <a:schemeClr val="dk1"/>
+              </a:fillRef>
+              <a:effectRef idx="0">
+                <a:schemeClr val="dk1"/>
+              </a:effectRef>
+              <a:fontRef idx="minor">
+                <a:schemeClr val="tx1"/>
+              </a:fontRef>
+            </p:style>
+          </p:cxnSp>
+          <p:cxnSp>
+            <p:nvCxnSpPr>
+              <p:cNvPr id="63" name="Straight Arrow Connector 62"/>
+              <p:cNvCxnSpPr/>
+              <p:nvPr/>
+            </p:nvCxnSpPr>
+            <p:spPr>
+              <a:xfrm flipV="1">
+                <a:off x="2985260" y="1695122"/>
+                <a:ext cx="0" cy="1085578"/>
+              </a:xfrm>
+              <a:prstGeom prst="straightConnector1">
+                <a:avLst/>
+              </a:prstGeom>
+              <a:ln>
+                <a:tailEnd type="arrow"/>
+              </a:ln>
+            </p:spPr>
+            <p:style>
+              <a:lnRef idx="1">
+                <a:schemeClr val="dk1"/>
+              </a:lnRef>
+              <a:fillRef idx="0">
+                <a:schemeClr val="dk1"/>
+              </a:fillRef>
+              <a:effectRef idx="0">
+                <a:schemeClr val="dk1"/>
+              </a:effectRef>
+              <a:fontRef idx="minor">
+                <a:schemeClr val="tx1"/>
+              </a:fontRef>
+            </p:style>
+          </p:cxnSp>
+          <p:sp>
+            <p:nvSpPr>
+              <p:cNvPr id="66" name="Oval 65"/>
+              <p:cNvSpPr/>
+              <p:nvPr/>
+            </p:nvSpPr>
+            <p:spPr>
+              <a:xfrm>
+                <a:off x="1795596" y="1850834"/>
+                <a:ext cx="349987" cy="349987"/>
+              </a:xfrm>
+              <a:prstGeom prst="ellipse">
+                <a:avLst/>
+              </a:prstGeom>
+            </p:spPr>
+            <p:style>
+              <a:lnRef idx="1">
+                <a:schemeClr val="accent3"/>
+              </a:lnRef>
+              <a:fillRef idx="3">
+                <a:schemeClr val="accent3"/>
+              </a:fillRef>
+              <a:effectRef idx="2">
+                <a:schemeClr val="accent3"/>
+              </a:effectRef>
+              <a:fontRef idx="minor">
+                <a:schemeClr val="lt1"/>
+              </a:fontRef>
+            </p:style>
+            <p:txBody>
+              <a:bodyPr rtlCol="0" anchor="ctr"/>
+              <a:lstStyle/>
+              <a:p>
+                <a:pPr algn="ctr"/>
+                <a:endParaRPr lang="en-US"/>
+              </a:p>
+            </p:txBody>
+          </p:sp>
+          <p:cxnSp>
+            <p:nvCxnSpPr>
+              <p:cNvPr id="67" name="Straight Arrow Connector 66"/>
+              <p:cNvCxnSpPr/>
+              <p:nvPr/>
+            </p:nvCxnSpPr>
+            <p:spPr>
+              <a:xfrm flipV="1">
+                <a:off x="2102606" y="1507638"/>
+                <a:ext cx="676817" cy="282380"/>
+              </a:xfrm>
+              <a:prstGeom prst="straightConnector1">
+                <a:avLst/>
+              </a:prstGeom>
+              <a:ln>
+                <a:tailEnd type="arrow"/>
+              </a:ln>
+            </p:spPr>
+            <p:style>
+              <a:lnRef idx="1">
+                <a:schemeClr val="accent3"/>
+              </a:lnRef>
+              <a:fillRef idx="3">
+                <a:schemeClr val="accent3"/>
+              </a:fillRef>
+              <a:effectRef idx="2">
+                <a:schemeClr val="accent3"/>
+              </a:effectRef>
+              <a:fontRef idx="minor">
+                <a:schemeClr val="lt1"/>
+              </a:fontRef>
+            </p:style>
+          </p:cxnSp>
+          <p:cxnSp>
+            <p:nvCxnSpPr>
+              <p:cNvPr id="68" name="Straight Arrow Connector 67"/>
+              <p:cNvCxnSpPr/>
+              <p:nvPr/>
+            </p:nvCxnSpPr>
+            <p:spPr>
+              <a:xfrm flipV="1">
+                <a:off x="2301466" y="1730962"/>
+                <a:ext cx="708214" cy="145722"/>
+              </a:xfrm>
+              <a:prstGeom prst="straightConnector1">
+                <a:avLst/>
+              </a:prstGeom>
+              <a:ln>
+                <a:tailEnd type="arrow"/>
+              </a:ln>
+            </p:spPr>
+            <p:style>
+              <a:lnRef idx="1">
+                <a:schemeClr val="accent3"/>
+              </a:lnRef>
+              <a:fillRef idx="3">
+                <a:schemeClr val="accent3"/>
+              </a:fillRef>
+              <a:effectRef idx="2">
+                <a:schemeClr val="accent3"/>
+              </a:effectRef>
+              <a:fontRef idx="minor">
+                <a:schemeClr val="lt1"/>
+              </a:fontRef>
+            </p:style>
+          </p:cxnSp>
+          <p:cxnSp>
+            <p:nvCxnSpPr>
+              <p:cNvPr id="69" name="Straight Arrow Connector 68"/>
+              <p:cNvCxnSpPr/>
+              <p:nvPr/>
+            </p:nvCxnSpPr>
+            <p:spPr>
+              <a:xfrm>
+                <a:off x="2399151" y="1997822"/>
+                <a:ext cx="879164" cy="1"/>
+              </a:xfrm>
+              <a:prstGeom prst="straightConnector1">
+                <a:avLst/>
+              </a:prstGeom>
+              <a:ln>
+                <a:tailEnd type="arrow"/>
+              </a:ln>
+            </p:spPr>
+            <p:style>
+              <a:lnRef idx="1">
+                <a:schemeClr val="accent3"/>
+              </a:lnRef>
+              <a:fillRef idx="3">
+                <a:schemeClr val="accent3"/>
+              </a:fillRef>
+              <a:effectRef idx="2">
+                <a:schemeClr val="accent3"/>
+              </a:effectRef>
+              <a:fontRef idx="minor">
+                <a:schemeClr val="lt1"/>
+              </a:fontRef>
+            </p:style>
+          </p:cxnSp>
+          <p:cxnSp>
+            <p:nvCxnSpPr>
+              <p:cNvPr id="70" name="Straight Arrow Connector 69"/>
+              <p:cNvCxnSpPr/>
+              <p:nvPr/>
+            </p:nvCxnSpPr>
+            <p:spPr>
+              <a:xfrm>
+                <a:off x="2254367" y="2167083"/>
+                <a:ext cx="1182687" cy="112711"/>
+              </a:xfrm>
+              <a:prstGeom prst="straightConnector1">
+                <a:avLst/>
+              </a:prstGeom>
+              <a:ln>
+                <a:tailEnd type="arrow"/>
+              </a:ln>
+            </p:spPr>
+            <p:style>
+              <a:lnRef idx="1">
+                <a:schemeClr val="accent3"/>
+              </a:lnRef>
+              <a:fillRef idx="3">
+                <a:schemeClr val="accent3"/>
+              </a:fillRef>
+              <a:effectRef idx="2">
+                <a:schemeClr val="accent3"/>
+              </a:effectRef>
+              <a:fontRef idx="minor">
+                <a:schemeClr val="lt1"/>
+              </a:fontRef>
+            </p:style>
+          </p:cxnSp>
+          <p:sp>
+            <p:nvSpPr>
+              <p:cNvPr id="89" name="Oval 88"/>
+              <p:cNvSpPr/>
+              <p:nvPr/>
+            </p:nvSpPr>
+            <p:spPr>
+              <a:xfrm>
+                <a:off x="7189683" y="1647017"/>
+                <a:ext cx="383244" cy="383244"/>
+              </a:xfrm>
+              <a:prstGeom prst="ellipse">
+                <a:avLst/>
+              </a:prstGeom>
+            </p:spPr>
+            <p:style>
+              <a:lnRef idx="1">
+                <a:schemeClr val="accent6"/>
+              </a:lnRef>
+              <a:fillRef idx="3">
+                <a:schemeClr val="accent6"/>
+              </a:fillRef>
+              <a:effectRef idx="2">
+                <a:schemeClr val="accent6"/>
+              </a:effectRef>
+              <a:fontRef idx="minor">
+                <a:schemeClr val="lt1"/>
+              </a:fontRef>
+            </p:style>
+            <p:txBody>
+              <a:bodyPr rtlCol="0" anchor="ctr"/>
+              <a:lstStyle/>
+              <a:p>
+                <a:pPr algn="ctr"/>
+                <a:endParaRPr lang="en-US"/>
+              </a:p>
+            </p:txBody>
+          </p:sp>
+          <p:cxnSp>
+            <p:nvCxnSpPr>
+              <p:cNvPr id="90" name="Straight Arrow Connector 89"/>
+              <p:cNvCxnSpPr/>
+              <p:nvPr/>
+            </p:nvCxnSpPr>
+            <p:spPr>
+              <a:xfrm flipV="1">
+                <a:off x="6310210" y="2082453"/>
+                <a:ext cx="778919" cy="169260"/>
+              </a:xfrm>
+              <a:prstGeom prst="straightConnector1">
+                <a:avLst/>
+              </a:prstGeom>
+              <a:ln>
+                <a:tailEnd type="arrow"/>
+              </a:ln>
+            </p:spPr>
+            <p:style>
+              <a:lnRef idx="1">
+                <a:schemeClr val="accent6"/>
+              </a:lnRef>
+              <a:fillRef idx="0">
+                <a:schemeClr val="accent6"/>
+              </a:fillRef>
+              <a:effectRef idx="0">
+                <a:schemeClr val="accent6"/>
+              </a:effectRef>
+              <a:fontRef idx="minor">
+                <a:schemeClr val="tx1"/>
+              </a:fontRef>
+            </p:style>
+          </p:cxnSp>
+          <p:cxnSp>
+            <p:nvCxnSpPr>
+              <p:cNvPr id="91" name="Straight Arrow Connector 90"/>
+              <p:cNvCxnSpPr/>
+              <p:nvPr/>
+            </p:nvCxnSpPr>
+            <p:spPr>
+              <a:xfrm>
+                <a:off x="6055356" y="1942507"/>
+                <a:ext cx="1033773" cy="0"/>
+              </a:xfrm>
+              <a:prstGeom prst="straightConnector1">
+                <a:avLst/>
+              </a:prstGeom>
+              <a:ln>
+                <a:tailEnd type="arrow"/>
+              </a:ln>
+            </p:spPr>
+            <p:style>
+              <a:lnRef idx="1">
+                <a:schemeClr val="accent6"/>
+              </a:lnRef>
+              <a:fillRef idx="0">
+                <a:schemeClr val="accent6"/>
+              </a:fillRef>
+              <a:effectRef idx="0">
+                <a:schemeClr val="accent6"/>
+              </a:effectRef>
+              <a:fontRef idx="minor">
+                <a:schemeClr val="tx1"/>
+              </a:fontRef>
+            </p:style>
+          </p:cxnSp>
+          <p:cxnSp>
+            <p:nvCxnSpPr>
+              <p:cNvPr id="92" name="Straight Arrow Connector 91"/>
+              <p:cNvCxnSpPr/>
+              <p:nvPr/>
+            </p:nvCxnSpPr>
+            <p:spPr>
+              <a:xfrm>
+                <a:off x="5781753" y="1716109"/>
+                <a:ext cx="1307376" cy="122863"/>
+              </a:xfrm>
+              <a:prstGeom prst="straightConnector1">
+                <a:avLst/>
+              </a:prstGeom>
+              <a:ln>
+                <a:tailEnd type="arrow"/>
+              </a:ln>
+            </p:spPr>
+            <p:style>
+              <a:lnRef idx="1">
+                <a:schemeClr val="accent6"/>
+              </a:lnRef>
+              <a:fillRef idx="0">
+                <a:schemeClr val="accent6"/>
+              </a:fillRef>
+              <a:effectRef idx="0">
+                <a:schemeClr val="accent6"/>
+              </a:effectRef>
+              <a:fontRef idx="minor">
+                <a:schemeClr val="tx1"/>
+              </a:fontRef>
+            </p:style>
+          </p:cxnSp>
+          <p:cxnSp>
+            <p:nvCxnSpPr>
+              <p:cNvPr id="93" name="Straight Arrow Connector 92"/>
+              <p:cNvCxnSpPr/>
+              <p:nvPr/>
+            </p:nvCxnSpPr>
+            <p:spPr>
+              <a:xfrm>
+                <a:off x="5566935" y="1458950"/>
+                <a:ext cx="1522194" cy="236172"/>
+              </a:xfrm>
+              <a:prstGeom prst="straightConnector1">
+                <a:avLst/>
+              </a:prstGeom>
+              <a:ln>
+                <a:tailEnd type="arrow"/>
+              </a:ln>
+            </p:spPr>
+            <p:style>
+              <a:lnRef idx="1">
+                <a:schemeClr val="accent6"/>
+              </a:lnRef>
+              <a:fillRef idx="0">
+                <a:schemeClr val="accent6"/>
+              </a:fillRef>
+              <a:effectRef idx="0">
+                <a:schemeClr val="accent6"/>
+              </a:effectRef>
+              <a:fontRef idx="minor">
+                <a:schemeClr val="tx1"/>
+              </a:fontRef>
+            </p:style>
+          </p:cxnSp>
+          <p:sp>
+            <p:nvSpPr>
+              <p:cNvPr id="96" name="TextBox 95"/>
+              <p:cNvSpPr txBox="1"/>
+              <p:nvPr/>
+            </p:nvSpPr>
+            <p:spPr>
+              <a:xfrm>
+                <a:off x="150375" y="1801304"/>
+                <a:ext cx="1594283" cy="461665"/>
+              </a:xfrm>
+              <a:prstGeom prst="rect">
+                <a:avLst/>
+              </a:prstGeom>
+              <a:noFill/>
+            </p:spPr>
+            <p:txBody>
+              <a:bodyPr wrap="none" rtlCol="0">
+                <a:spAutoFit/>
+              </a:bodyPr>
+              <a:lstStyle/>
+              <a:p>
+                <a:r>
+                  <a:rPr lang="en-US" sz="2400" b="1" dirty="0" smtClean="0"/>
+                  <a:t>Weather(t)</a:t>
+                </a:r>
+                <a:endParaRPr lang="en-US" sz="2400" b="1" dirty="0"/>
+              </a:p>
+            </p:txBody>
+          </p:sp>
+          <p:sp>
+            <p:nvSpPr>
+              <p:cNvPr id="98" name="TextBox 97"/>
+              <p:cNvSpPr txBox="1"/>
+              <p:nvPr/>
+            </p:nvSpPr>
+            <p:spPr>
+              <a:xfrm>
+                <a:off x="25340" y="3412471"/>
+                <a:ext cx="1844351" cy="461665"/>
+              </a:xfrm>
+              <a:prstGeom prst="rect">
+                <a:avLst/>
+              </a:prstGeom>
+              <a:noFill/>
+            </p:spPr>
+            <p:txBody>
+              <a:bodyPr wrap="none" rtlCol="0">
+                <a:spAutoFit/>
+              </a:bodyPr>
+              <a:lstStyle/>
+              <a:p>
+                <a:r>
+                  <a:rPr lang="en-US" sz="2400" b="1" dirty="0" smtClean="0"/>
+                  <a:t>Weather(t-4)</a:t>
+                </a:r>
+                <a:endParaRPr lang="en-US" sz="2400" b="1" dirty="0"/>
+              </a:p>
+            </p:txBody>
+          </p:sp>
+          <p:sp>
+            <p:nvSpPr>
+              <p:cNvPr id="99" name="Oval 98"/>
+              <p:cNvSpPr/>
+              <p:nvPr/>
+            </p:nvSpPr>
+            <p:spPr>
+              <a:xfrm>
+                <a:off x="2794773" y="4560018"/>
+                <a:ext cx="351811" cy="351811"/>
+              </a:xfrm>
+              <a:prstGeom prst="ellipse">
+                <a:avLst/>
+              </a:prstGeom>
+            </p:spPr>
+            <p:style>
+              <a:lnRef idx="1">
+                <a:schemeClr val="accent4"/>
+              </a:lnRef>
+              <a:fillRef idx="3">
+                <a:schemeClr val="accent4"/>
+              </a:fillRef>
+              <a:effectRef idx="2">
+                <a:schemeClr val="accent4"/>
+              </a:effectRef>
+              <a:fontRef idx="minor">
+                <a:schemeClr val="lt1"/>
+              </a:fontRef>
+            </p:style>
+            <p:txBody>
+              <a:bodyPr rtlCol="0" anchor="ctr"/>
+              <a:lstStyle/>
+              <a:p>
+                <a:pPr algn="ctr"/>
+                <a:endParaRPr lang="en-US"/>
+              </a:p>
+            </p:txBody>
+          </p:sp>
+          <p:sp>
+            <p:nvSpPr>
+              <p:cNvPr id="100" name="Oval 99"/>
+              <p:cNvSpPr/>
+              <p:nvPr/>
+            </p:nvSpPr>
+            <p:spPr>
+              <a:xfrm>
+                <a:off x="3059918" y="4830999"/>
+                <a:ext cx="351811" cy="351811"/>
+              </a:xfrm>
+              <a:prstGeom prst="ellipse">
+                <a:avLst/>
+              </a:prstGeom>
+            </p:spPr>
+            <p:style>
+              <a:lnRef idx="1">
+                <a:schemeClr val="accent4"/>
+              </a:lnRef>
+              <a:fillRef idx="3">
+                <a:schemeClr val="accent4"/>
+              </a:fillRef>
+              <a:effectRef idx="2">
+                <a:schemeClr val="accent4"/>
+              </a:effectRef>
+              <a:fontRef idx="minor">
+                <a:schemeClr val="lt1"/>
+              </a:fontRef>
+            </p:style>
+            <p:txBody>
+              <a:bodyPr rtlCol="0" anchor="ctr"/>
+              <a:lstStyle/>
+              <a:p>
+                <a:pPr algn="ctr"/>
+                <a:endParaRPr lang="en-US"/>
+              </a:p>
+            </p:txBody>
+          </p:sp>
+          <p:sp>
+            <p:nvSpPr>
+              <p:cNvPr id="101" name="Oval 100"/>
+              <p:cNvSpPr/>
+              <p:nvPr/>
+            </p:nvSpPr>
+            <p:spPr>
+              <a:xfrm>
+                <a:off x="3325063" y="5096109"/>
+                <a:ext cx="351811" cy="351811"/>
+              </a:xfrm>
+              <a:prstGeom prst="ellipse">
+                <a:avLst/>
+              </a:prstGeom>
+            </p:spPr>
+            <p:style>
+              <a:lnRef idx="1">
+                <a:schemeClr val="accent4"/>
+              </a:lnRef>
+              <a:fillRef idx="3">
+                <a:schemeClr val="accent4"/>
+              </a:fillRef>
+              <a:effectRef idx="2">
+                <a:schemeClr val="accent4"/>
+              </a:effectRef>
+              <a:fontRef idx="minor">
+                <a:schemeClr val="lt1"/>
+              </a:fontRef>
+            </p:style>
+            <p:txBody>
+              <a:bodyPr rtlCol="0" anchor="ctr"/>
+              <a:lstStyle/>
+              <a:p>
+                <a:pPr algn="ctr"/>
+                <a:endParaRPr lang="en-US"/>
+              </a:p>
+            </p:txBody>
+          </p:sp>
+          <p:sp>
+            <p:nvSpPr>
+              <p:cNvPr id="102" name="Oval 101"/>
+              <p:cNvSpPr/>
+              <p:nvPr/>
+            </p:nvSpPr>
+            <p:spPr>
+              <a:xfrm>
+                <a:off x="3590208" y="5361219"/>
+                <a:ext cx="351811" cy="351811"/>
+              </a:xfrm>
+              <a:prstGeom prst="ellipse">
+                <a:avLst/>
+              </a:prstGeom>
+            </p:spPr>
+            <p:style>
+              <a:lnRef idx="1">
+                <a:schemeClr val="accent4"/>
+              </a:lnRef>
+              <a:fillRef idx="3">
+                <a:schemeClr val="accent4"/>
+              </a:fillRef>
+              <a:effectRef idx="2">
+                <a:schemeClr val="accent4"/>
+              </a:effectRef>
+              <a:fontRef idx="minor">
+                <a:schemeClr val="lt1"/>
+              </a:fontRef>
+            </p:style>
+            <p:txBody>
+              <a:bodyPr rtlCol="0" anchor="ctr"/>
+              <a:lstStyle/>
+              <a:p>
+                <a:pPr algn="ctr"/>
+                <a:endParaRPr lang="en-US"/>
+              </a:p>
+            </p:txBody>
+          </p:sp>
+          <p:sp>
+            <p:nvSpPr>
+              <p:cNvPr id="103" name="Oval 102"/>
+              <p:cNvSpPr/>
+              <p:nvPr/>
+            </p:nvSpPr>
+            <p:spPr>
+              <a:xfrm>
+                <a:off x="1744658" y="5127370"/>
+                <a:ext cx="351811" cy="351811"/>
+              </a:xfrm>
+              <a:prstGeom prst="ellipse">
+                <a:avLst/>
+              </a:prstGeom>
+            </p:spPr>
+            <p:style>
+              <a:lnRef idx="1">
+                <a:schemeClr val="accent4"/>
+              </a:lnRef>
+              <a:fillRef idx="3">
+                <a:schemeClr val="accent4"/>
+              </a:fillRef>
+              <a:effectRef idx="2">
+                <a:schemeClr val="accent4"/>
+              </a:effectRef>
+              <a:fontRef idx="minor">
+                <a:schemeClr val="lt1"/>
+              </a:fontRef>
+            </p:style>
+            <p:txBody>
+              <a:bodyPr rtlCol="0" anchor="ctr"/>
+              <a:lstStyle/>
+              <a:p>
+                <a:pPr algn="ctr"/>
+                <a:endParaRPr lang="en-US"/>
+              </a:p>
+            </p:txBody>
+          </p:sp>
+          <p:sp>
+            <p:nvSpPr>
+              <p:cNvPr id="104" name="Oval 103"/>
+              <p:cNvSpPr/>
+              <p:nvPr/>
+            </p:nvSpPr>
+            <p:spPr>
+              <a:xfrm>
+                <a:off x="5096240" y="4579845"/>
+                <a:ext cx="351811" cy="351811"/>
+              </a:xfrm>
+              <a:prstGeom prst="ellipse">
+                <a:avLst/>
+              </a:prstGeom>
+            </p:spPr>
+            <p:style>
+              <a:lnRef idx="1">
+                <a:schemeClr val="accent4"/>
+              </a:lnRef>
+              <a:fillRef idx="3">
+                <a:schemeClr val="accent4"/>
+              </a:fillRef>
+              <a:effectRef idx="2">
+                <a:schemeClr val="accent4"/>
+              </a:effectRef>
+              <a:fontRef idx="minor">
+                <a:schemeClr val="lt1"/>
+              </a:fontRef>
+            </p:style>
+            <p:txBody>
+              <a:bodyPr rtlCol="0" anchor="ctr"/>
+              <a:lstStyle/>
+              <a:p>
+                <a:pPr algn="ctr"/>
+                <a:endParaRPr lang="en-US"/>
+              </a:p>
+            </p:txBody>
+          </p:sp>
+          <p:sp>
+            <p:nvSpPr>
+              <p:cNvPr id="105" name="Oval 104"/>
+              <p:cNvSpPr/>
+              <p:nvPr/>
+            </p:nvSpPr>
+            <p:spPr>
+              <a:xfrm>
+                <a:off x="5361385" y="4850826"/>
+                <a:ext cx="351811" cy="351811"/>
+              </a:xfrm>
+              <a:prstGeom prst="ellipse">
+                <a:avLst/>
+              </a:prstGeom>
+            </p:spPr>
+            <p:style>
+              <a:lnRef idx="1">
+                <a:schemeClr val="accent4"/>
+              </a:lnRef>
+              <a:fillRef idx="3">
+                <a:schemeClr val="accent4"/>
+              </a:fillRef>
+              <a:effectRef idx="2">
+                <a:schemeClr val="accent4"/>
+              </a:effectRef>
+              <a:fontRef idx="minor">
+                <a:schemeClr val="lt1"/>
+              </a:fontRef>
+            </p:style>
+            <p:txBody>
+              <a:bodyPr rtlCol="0" anchor="ctr"/>
+              <a:lstStyle/>
+              <a:p>
+                <a:pPr algn="ctr"/>
+                <a:endParaRPr lang="en-US"/>
+              </a:p>
+            </p:txBody>
+          </p:sp>
+          <p:sp>
+            <p:nvSpPr>
+              <p:cNvPr id="106" name="Oval 105"/>
+              <p:cNvSpPr/>
+              <p:nvPr/>
+            </p:nvSpPr>
+            <p:spPr>
+              <a:xfrm>
+                <a:off x="5626530" y="5115936"/>
+                <a:ext cx="351811" cy="351811"/>
+              </a:xfrm>
+              <a:prstGeom prst="ellipse">
+                <a:avLst/>
+              </a:prstGeom>
+            </p:spPr>
+            <p:style>
+              <a:lnRef idx="1">
+                <a:schemeClr val="accent4"/>
+              </a:lnRef>
+              <a:fillRef idx="3">
+                <a:schemeClr val="accent4"/>
+              </a:fillRef>
+              <a:effectRef idx="2">
+                <a:schemeClr val="accent4"/>
+              </a:effectRef>
+              <a:fontRef idx="minor">
+                <a:schemeClr val="lt1"/>
+              </a:fontRef>
+            </p:style>
+            <p:txBody>
+              <a:bodyPr rtlCol="0" anchor="ctr"/>
+              <a:lstStyle/>
+              <a:p>
+                <a:pPr algn="ctr"/>
+                <a:endParaRPr lang="en-US"/>
+              </a:p>
+            </p:txBody>
+          </p:sp>
+          <p:sp>
+            <p:nvSpPr>
+              <p:cNvPr id="107" name="Oval 106"/>
+              <p:cNvSpPr/>
+              <p:nvPr/>
+            </p:nvSpPr>
+            <p:spPr>
+              <a:xfrm>
+                <a:off x="5891675" y="5381046"/>
+                <a:ext cx="351811" cy="351811"/>
+              </a:xfrm>
+              <a:prstGeom prst="ellipse">
+                <a:avLst/>
+              </a:prstGeom>
+            </p:spPr>
+            <p:style>
+              <a:lnRef idx="1">
+                <a:schemeClr val="accent4"/>
+              </a:lnRef>
+              <a:fillRef idx="3">
+                <a:schemeClr val="accent4"/>
+              </a:fillRef>
+              <a:effectRef idx="2">
+                <a:schemeClr val="accent4"/>
+              </a:effectRef>
+              <a:fontRef idx="minor">
+                <a:schemeClr val="lt1"/>
+              </a:fontRef>
+            </p:style>
+            <p:txBody>
+              <a:bodyPr rtlCol="0" anchor="ctr"/>
+              <a:lstStyle/>
+              <a:p>
+                <a:pPr algn="ctr"/>
+                <a:endParaRPr lang="en-US"/>
+              </a:p>
+            </p:txBody>
+          </p:sp>
+          <p:cxnSp>
+            <p:nvCxnSpPr>
+              <p:cNvPr id="109" name="Straight Arrow Connector 108"/>
+              <p:cNvCxnSpPr/>
+              <p:nvPr/>
+            </p:nvCxnSpPr>
+            <p:spPr>
+              <a:xfrm flipV="1">
+                <a:off x="2051668" y="4800746"/>
+                <a:ext cx="676817" cy="282380"/>
+              </a:xfrm>
+              <a:prstGeom prst="straightConnector1">
+                <a:avLst/>
+              </a:prstGeom>
+              <a:ln>
+                <a:tailEnd type="arrow"/>
+              </a:ln>
+            </p:spPr>
+            <p:style>
+              <a:lnRef idx="1">
+                <a:schemeClr val="accent4"/>
+              </a:lnRef>
+              <a:fillRef idx="3">
+                <a:schemeClr val="accent4"/>
+              </a:fillRef>
+              <a:effectRef idx="2">
+                <a:schemeClr val="accent4"/>
+              </a:effectRef>
+              <a:fontRef idx="minor">
+                <a:schemeClr val="lt1"/>
+              </a:fontRef>
+            </p:style>
+          </p:cxnSp>
+          <p:cxnSp>
+            <p:nvCxnSpPr>
+              <p:cNvPr id="110" name="Straight Arrow Connector 109"/>
+              <p:cNvCxnSpPr/>
+              <p:nvPr/>
+            </p:nvCxnSpPr>
+            <p:spPr>
+              <a:xfrm flipV="1">
+                <a:off x="2250528" y="5024070"/>
+                <a:ext cx="708214" cy="145722"/>
+              </a:xfrm>
+              <a:prstGeom prst="straightConnector1">
+                <a:avLst/>
+              </a:prstGeom>
+              <a:ln>
+                <a:tailEnd type="arrow"/>
+              </a:ln>
+            </p:spPr>
+            <p:style>
+              <a:lnRef idx="1">
+                <a:schemeClr val="accent4"/>
+              </a:lnRef>
+              <a:fillRef idx="3">
+                <a:schemeClr val="accent4"/>
+              </a:fillRef>
+              <a:effectRef idx="2">
+                <a:schemeClr val="accent4"/>
+              </a:effectRef>
+              <a:fontRef idx="minor">
+                <a:schemeClr val="lt1"/>
+              </a:fontRef>
+            </p:style>
+          </p:cxnSp>
+          <p:cxnSp>
+            <p:nvCxnSpPr>
+              <p:cNvPr id="111" name="Straight Arrow Connector 110"/>
+              <p:cNvCxnSpPr/>
+              <p:nvPr/>
+            </p:nvCxnSpPr>
+            <p:spPr>
+              <a:xfrm>
+                <a:off x="2348213" y="5290930"/>
+                <a:ext cx="879164" cy="1"/>
+              </a:xfrm>
+              <a:prstGeom prst="straightConnector1">
+                <a:avLst/>
+              </a:prstGeom>
+              <a:ln>
+                <a:tailEnd type="arrow"/>
+              </a:ln>
+            </p:spPr>
+            <p:style>
+              <a:lnRef idx="1">
+                <a:schemeClr val="accent4"/>
+              </a:lnRef>
+              <a:fillRef idx="3">
+                <a:schemeClr val="accent4"/>
+              </a:fillRef>
+              <a:effectRef idx="2">
+                <a:schemeClr val="accent4"/>
+              </a:effectRef>
+              <a:fontRef idx="minor">
+                <a:schemeClr val="lt1"/>
+              </a:fontRef>
+            </p:style>
+          </p:cxnSp>
+          <p:cxnSp>
+            <p:nvCxnSpPr>
+              <p:cNvPr id="112" name="Straight Arrow Connector 111"/>
+              <p:cNvCxnSpPr/>
+              <p:nvPr/>
+            </p:nvCxnSpPr>
+            <p:spPr>
+              <a:xfrm>
+                <a:off x="2203429" y="5460191"/>
+                <a:ext cx="1182687" cy="112711"/>
+              </a:xfrm>
+              <a:prstGeom prst="straightConnector1">
+                <a:avLst/>
+              </a:prstGeom>
+              <a:ln>
+                <a:tailEnd type="arrow"/>
+              </a:ln>
+            </p:spPr>
+            <p:style>
+              <a:lnRef idx="1">
+                <a:schemeClr val="accent4"/>
+              </a:lnRef>
+              <a:fillRef idx="3">
+                <a:schemeClr val="accent4"/>
+              </a:fillRef>
+              <a:effectRef idx="2">
+                <a:schemeClr val="accent4"/>
+              </a:effectRef>
+              <a:fontRef idx="minor">
+                <a:schemeClr val="lt1"/>
+              </a:fontRef>
+            </p:style>
+          </p:cxnSp>
+          <p:cxnSp>
+            <p:nvCxnSpPr>
+              <p:cNvPr id="113" name="Straight Arrow Connector 112"/>
+              <p:cNvCxnSpPr/>
+              <p:nvPr/>
+            </p:nvCxnSpPr>
+            <p:spPr>
+              <a:xfrm>
+                <a:off x="3227377" y="4752058"/>
+                <a:ext cx="1688552" cy="0"/>
+              </a:xfrm>
+              <a:prstGeom prst="straightConnector1">
+                <a:avLst/>
+              </a:prstGeom>
+              <a:ln>
+                <a:tailEnd type="arrow"/>
+              </a:ln>
+            </p:spPr>
+            <p:style>
+              <a:lnRef idx="1">
+                <a:schemeClr val="accent4"/>
+              </a:lnRef>
+              <a:fillRef idx="3">
+                <a:schemeClr val="accent4"/>
+              </a:fillRef>
+              <a:effectRef idx="2">
+                <a:schemeClr val="accent4"/>
+              </a:effectRef>
+              <a:fontRef idx="minor">
+                <a:schemeClr val="lt1"/>
+              </a:fontRef>
+            </p:style>
+          </p:cxnSp>
+          <p:cxnSp>
+            <p:nvCxnSpPr>
+              <p:cNvPr id="114" name="Straight Arrow Connector 113"/>
+              <p:cNvCxnSpPr/>
+              <p:nvPr/>
+            </p:nvCxnSpPr>
+            <p:spPr>
+              <a:xfrm>
+                <a:off x="3590208" y="5025785"/>
+                <a:ext cx="1688552" cy="0"/>
+              </a:xfrm>
+              <a:prstGeom prst="straightConnector1">
+                <a:avLst/>
+              </a:prstGeom>
+              <a:ln>
+                <a:tailEnd type="arrow"/>
+              </a:ln>
+            </p:spPr>
+            <p:style>
+              <a:lnRef idx="1">
+                <a:schemeClr val="accent4"/>
+              </a:lnRef>
+              <a:fillRef idx="3">
+                <a:schemeClr val="accent4"/>
+              </a:fillRef>
+              <a:effectRef idx="2">
+                <a:schemeClr val="accent4"/>
+              </a:effectRef>
+              <a:fontRef idx="minor">
+                <a:schemeClr val="lt1"/>
+              </a:fontRef>
+            </p:style>
+          </p:cxnSp>
+          <p:cxnSp>
+            <p:nvCxnSpPr>
+              <p:cNvPr id="115" name="Straight Arrow Connector 114"/>
+              <p:cNvCxnSpPr/>
+              <p:nvPr/>
+            </p:nvCxnSpPr>
+            <p:spPr>
+              <a:xfrm>
+                <a:off x="3855353" y="5277607"/>
+                <a:ext cx="1688552" cy="0"/>
+              </a:xfrm>
+              <a:prstGeom prst="straightConnector1">
+                <a:avLst/>
+              </a:prstGeom>
+              <a:ln>
+                <a:tailEnd type="arrow"/>
+              </a:ln>
+            </p:spPr>
+            <p:style>
+              <a:lnRef idx="1">
+                <a:schemeClr val="accent4"/>
+              </a:lnRef>
+              <a:fillRef idx="3">
+                <a:schemeClr val="accent4"/>
+              </a:fillRef>
+              <a:effectRef idx="2">
+                <a:schemeClr val="accent4"/>
+              </a:effectRef>
+              <a:fontRef idx="minor">
+                <a:schemeClr val="lt1"/>
+              </a:fontRef>
+            </p:style>
+          </p:cxnSp>
+          <p:cxnSp>
+            <p:nvCxnSpPr>
+              <p:cNvPr id="116" name="Straight Arrow Connector 115"/>
+              <p:cNvCxnSpPr/>
+              <p:nvPr/>
+            </p:nvCxnSpPr>
+            <p:spPr>
+              <a:xfrm>
+                <a:off x="4071653" y="5556709"/>
+                <a:ext cx="1688552" cy="0"/>
+              </a:xfrm>
+              <a:prstGeom prst="straightConnector1">
+                <a:avLst/>
+              </a:prstGeom>
+              <a:ln>
+                <a:tailEnd type="arrow"/>
+              </a:ln>
+            </p:spPr>
+            <p:style>
+              <a:lnRef idx="1">
+                <a:schemeClr val="accent4"/>
+              </a:lnRef>
+              <a:fillRef idx="3">
+                <a:schemeClr val="accent4"/>
+              </a:fillRef>
+              <a:effectRef idx="2">
+                <a:schemeClr val="accent4"/>
+              </a:effectRef>
+              <a:fontRef idx="minor">
+                <a:schemeClr val="lt1"/>
+              </a:fontRef>
+            </p:style>
+          </p:cxnSp>
+          <p:cxnSp>
+            <p:nvCxnSpPr>
+              <p:cNvPr id="117" name="Straight Arrow Connector 116"/>
+              <p:cNvCxnSpPr/>
+              <p:nvPr/>
+            </p:nvCxnSpPr>
+            <p:spPr>
+              <a:xfrm flipH="1" flipV="1">
+                <a:off x="6004418" y="4192032"/>
+                <a:ext cx="19830" cy="1085575"/>
+              </a:xfrm>
+              <a:prstGeom prst="straightConnector1">
+                <a:avLst/>
+              </a:prstGeom>
+              <a:ln>
+                <a:tailEnd type="arrow"/>
+              </a:ln>
+            </p:spPr>
+            <p:style>
+              <a:lnRef idx="1">
+                <a:schemeClr val="dk1"/>
+              </a:lnRef>
+              <a:fillRef idx="0">
+                <a:schemeClr val="dk1"/>
+              </a:fillRef>
+              <a:effectRef idx="0">
+                <a:schemeClr val="dk1"/>
+              </a:effectRef>
+              <a:fontRef idx="minor">
+                <a:schemeClr val="tx1"/>
+              </a:fontRef>
+            </p:style>
+          </p:cxnSp>
+          <p:cxnSp>
+            <p:nvCxnSpPr>
+              <p:cNvPr id="118" name="Straight Arrow Connector 117"/>
+              <p:cNvCxnSpPr/>
+              <p:nvPr/>
+            </p:nvCxnSpPr>
+            <p:spPr>
+              <a:xfrm flipV="1">
+                <a:off x="5760205" y="4046502"/>
+                <a:ext cx="0" cy="1085578"/>
+              </a:xfrm>
+              <a:prstGeom prst="straightConnector1">
+                <a:avLst/>
+              </a:prstGeom>
+              <a:ln>
+                <a:tailEnd type="arrow"/>
+              </a:ln>
+            </p:spPr>
+            <p:style>
+              <a:lnRef idx="1">
+                <a:schemeClr val="dk1"/>
+              </a:lnRef>
+              <a:fillRef idx="0">
+                <a:schemeClr val="dk1"/>
+              </a:fillRef>
+              <a:effectRef idx="0">
+                <a:schemeClr val="dk1"/>
+              </a:effectRef>
+              <a:fontRef idx="minor">
+                <a:schemeClr val="tx1"/>
+              </a:fontRef>
+            </p:style>
+          </p:cxnSp>
+          <p:cxnSp>
+            <p:nvCxnSpPr>
+              <p:cNvPr id="119" name="Straight Arrow Connector 118"/>
+              <p:cNvCxnSpPr/>
+              <p:nvPr/>
+            </p:nvCxnSpPr>
+            <p:spPr>
+              <a:xfrm flipV="1">
+                <a:off x="5515997" y="3649240"/>
+                <a:ext cx="0" cy="1085578"/>
+              </a:xfrm>
+              <a:prstGeom prst="straightConnector1">
+                <a:avLst/>
+              </a:prstGeom>
+              <a:ln>
+                <a:tailEnd type="arrow"/>
+              </a:ln>
+            </p:spPr>
+            <p:style>
+              <a:lnRef idx="1">
+                <a:schemeClr val="dk1"/>
+              </a:lnRef>
+              <a:fillRef idx="0">
+                <a:schemeClr val="dk1"/>
+              </a:fillRef>
+              <a:effectRef idx="0">
+                <a:schemeClr val="dk1"/>
+              </a:effectRef>
+              <a:fontRef idx="minor">
+                <a:schemeClr val="tx1"/>
+              </a:fontRef>
+            </p:style>
+          </p:cxnSp>
+          <p:cxnSp>
+            <p:nvCxnSpPr>
+              <p:cNvPr id="120" name="Straight Arrow Connector 119"/>
+              <p:cNvCxnSpPr/>
+              <p:nvPr/>
+            </p:nvCxnSpPr>
+            <p:spPr>
+              <a:xfrm flipV="1">
+                <a:off x="5264805" y="3403501"/>
+                <a:ext cx="0" cy="1085578"/>
+              </a:xfrm>
+              <a:prstGeom prst="straightConnector1">
+                <a:avLst/>
+              </a:prstGeom>
+              <a:ln>
+                <a:tailEnd type="arrow"/>
+              </a:ln>
+            </p:spPr>
+            <p:style>
+              <a:lnRef idx="1">
+                <a:schemeClr val="dk1"/>
+              </a:lnRef>
+              <a:fillRef idx="0">
+                <a:schemeClr val="dk1"/>
+              </a:fillRef>
+              <a:effectRef idx="0">
+                <a:schemeClr val="dk1"/>
+              </a:effectRef>
+              <a:fontRef idx="minor">
+                <a:schemeClr val="tx1"/>
+              </a:fontRef>
+            </p:style>
+          </p:cxnSp>
+          <p:cxnSp>
+            <p:nvCxnSpPr>
+              <p:cNvPr id="121" name="Straight Arrow Connector 120"/>
+              <p:cNvCxnSpPr/>
+              <p:nvPr/>
+            </p:nvCxnSpPr>
+            <p:spPr>
+              <a:xfrm flipV="1">
+                <a:off x="3685798" y="4136784"/>
+                <a:ext cx="0" cy="1085578"/>
+              </a:xfrm>
+              <a:prstGeom prst="straightConnector1">
+                <a:avLst/>
+              </a:prstGeom>
+              <a:ln>
+                <a:tailEnd type="arrow"/>
+              </a:ln>
+            </p:spPr>
+            <p:style>
+              <a:lnRef idx="1">
+                <a:schemeClr val="dk1"/>
+              </a:lnRef>
+              <a:fillRef idx="0">
+                <a:schemeClr val="dk1"/>
+              </a:fillRef>
+              <a:effectRef idx="0">
+                <a:schemeClr val="dk1"/>
+              </a:effectRef>
+              <a:fontRef idx="minor">
+                <a:schemeClr val="tx1"/>
+              </a:fontRef>
+            </p:style>
+          </p:cxnSp>
+          <p:cxnSp>
+            <p:nvCxnSpPr>
+              <p:cNvPr id="122" name="Straight Arrow Connector 121"/>
+              <p:cNvCxnSpPr/>
+              <p:nvPr/>
+            </p:nvCxnSpPr>
+            <p:spPr>
+              <a:xfrm flipV="1">
+                <a:off x="3441585" y="3991257"/>
+                <a:ext cx="0" cy="1085578"/>
+              </a:xfrm>
+              <a:prstGeom prst="straightConnector1">
+                <a:avLst/>
+              </a:prstGeom>
+              <a:ln>
+                <a:tailEnd type="arrow"/>
+              </a:ln>
+            </p:spPr>
+            <p:style>
+              <a:lnRef idx="1">
+                <a:schemeClr val="dk1"/>
+              </a:lnRef>
+              <a:fillRef idx="0">
+                <a:schemeClr val="dk1"/>
+              </a:fillRef>
+              <a:effectRef idx="0">
+                <a:schemeClr val="dk1"/>
+              </a:effectRef>
+              <a:fontRef idx="minor">
+                <a:schemeClr val="tx1"/>
+              </a:fontRef>
+            </p:style>
+          </p:cxnSp>
+          <p:cxnSp>
+            <p:nvCxnSpPr>
+              <p:cNvPr id="123" name="Straight Arrow Connector 122"/>
+              <p:cNvCxnSpPr/>
+              <p:nvPr/>
+            </p:nvCxnSpPr>
+            <p:spPr>
+              <a:xfrm flipV="1">
+                <a:off x="3197377" y="3593995"/>
+                <a:ext cx="0" cy="1085578"/>
+              </a:xfrm>
+              <a:prstGeom prst="straightConnector1">
+                <a:avLst/>
+              </a:prstGeom>
+              <a:ln>
+                <a:tailEnd type="arrow"/>
+              </a:ln>
+            </p:spPr>
+            <p:style>
+              <a:lnRef idx="1">
+                <a:schemeClr val="dk1"/>
+              </a:lnRef>
+              <a:fillRef idx="0">
+                <a:schemeClr val="dk1"/>
+              </a:fillRef>
+              <a:effectRef idx="0">
+                <a:schemeClr val="dk1"/>
+              </a:effectRef>
+              <a:fontRef idx="minor">
+                <a:schemeClr val="tx1"/>
+              </a:fontRef>
+            </p:style>
+          </p:cxnSp>
+          <p:cxnSp>
+            <p:nvCxnSpPr>
+              <p:cNvPr id="124" name="Straight Arrow Connector 123"/>
+              <p:cNvCxnSpPr/>
+              <p:nvPr/>
+            </p:nvCxnSpPr>
+            <p:spPr>
+              <a:xfrm flipV="1">
+                <a:off x="2946185" y="3348256"/>
+                <a:ext cx="0" cy="1085578"/>
+              </a:xfrm>
+              <a:prstGeom prst="straightConnector1">
+                <a:avLst/>
+              </a:prstGeom>
+              <a:ln>
+                <a:tailEnd type="arrow"/>
+              </a:ln>
+            </p:spPr>
+            <p:style>
+              <a:lnRef idx="1">
+                <a:schemeClr val="dk1"/>
+              </a:lnRef>
+              <a:fillRef idx="0">
+                <a:schemeClr val="dk1"/>
+              </a:fillRef>
+              <a:effectRef idx="0">
+                <a:schemeClr val="dk1"/>
+              </a:effectRef>
+              <a:fontRef idx="minor">
+                <a:schemeClr val="tx1"/>
+              </a:fontRef>
+            </p:style>
+          </p:cxnSp>
+          <p:sp>
+            <p:nvSpPr>
+              <p:cNvPr id="135" name="TextBox 134"/>
+              <p:cNvSpPr txBox="1"/>
+              <p:nvPr/>
+            </p:nvSpPr>
+            <p:spPr>
+              <a:xfrm>
+                <a:off x="7587675" y="1716109"/>
+                <a:ext cx="1903663" cy="461665"/>
+              </a:xfrm>
+              <a:prstGeom prst="rect">
+                <a:avLst/>
+              </a:prstGeom>
+              <a:noFill/>
+            </p:spPr>
+            <p:txBody>
+              <a:bodyPr wrap="none" rtlCol="0">
+                <a:spAutoFit/>
+              </a:bodyPr>
+              <a:lstStyle/>
+              <a:p>
+                <a:r>
+                  <a:rPr lang="en-US" sz="2400" b="1" dirty="0" smtClean="0"/>
+                  <a:t>Weather(t+1)</a:t>
+                </a:r>
+              </a:p>
+            </p:txBody>
+          </p:sp>
+          <p:sp>
+            <p:nvSpPr>
+              <p:cNvPr id="136" name="TextBox 135"/>
+              <p:cNvSpPr txBox="1"/>
+              <p:nvPr/>
+            </p:nvSpPr>
+            <p:spPr>
+              <a:xfrm>
+                <a:off x="2686193" y="5743727"/>
+                <a:ext cx="2081595" cy="461665"/>
+              </a:xfrm>
+              <a:prstGeom prst="rect">
+                <a:avLst/>
+              </a:prstGeom>
+              <a:noFill/>
+            </p:spPr>
+            <p:txBody>
+              <a:bodyPr wrap="none" rtlCol="0">
+                <a:spAutoFit/>
+              </a:bodyPr>
+              <a:lstStyle/>
+              <a:p>
+                <a:r>
+                  <a:rPr lang="en-US" sz="2400" b="1" dirty="0" smtClean="0"/>
+                  <a:t>Hidden Layer 1</a:t>
+                </a:r>
+                <a:endParaRPr lang="en-US" sz="2400" b="1" dirty="0"/>
+              </a:p>
+            </p:txBody>
+          </p:sp>
+          <p:sp>
+            <p:nvSpPr>
+              <p:cNvPr id="137" name="TextBox 136"/>
+              <p:cNvSpPr txBox="1"/>
+              <p:nvPr/>
+            </p:nvSpPr>
+            <p:spPr>
+              <a:xfrm>
+                <a:off x="4910931" y="5743727"/>
+                <a:ext cx="2081595" cy="461665"/>
+              </a:xfrm>
+              <a:prstGeom prst="rect">
+                <a:avLst/>
+              </a:prstGeom>
+              <a:noFill/>
+            </p:spPr>
+            <p:txBody>
+              <a:bodyPr wrap="none" rtlCol="0">
+                <a:spAutoFit/>
+              </a:bodyPr>
+              <a:lstStyle/>
+              <a:p>
+                <a:r>
+                  <a:rPr lang="en-US" sz="2400" b="1" dirty="0" smtClean="0"/>
+                  <a:t>Hidden Layer 2</a:t>
+                </a:r>
+                <a:endParaRPr lang="en-US" sz="2400" b="1" dirty="0"/>
+              </a:p>
+            </p:txBody>
+          </p:sp>
+        </p:grpSp>
+        <p:sp>
+          <p:nvSpPr>
+            <p:cNvPr id="133" name="TextBox 132"/>
+            <p:cNvSpPr txBox="1"/>
+            <p:nvPr/>
+          </p:nvSpPr>
+          <p:spPr>
+            <a:xfrm>
+              <a:off x="0" y="5041181"/>
+              <a:ext cx="1844351" cy="461665"/>
+            </a:xfrm>
+            <a:prstGeom prst="rect">
+              <a:avLst/>
+            </a:prstGeom>
+            <a:noFill/>
+          </p:spPr>
+          <p:txBody>
+            <a:bodyPr wrap="none" rtlCol="0">
+              <a:spAutoFit/>
+            </a:bodyPr>
+            <a:lstStyle/>
+            <a:p>
+              <a:r>
+                <a:rPr lang="en-US" sz="2400" b="1" dirty="0" smtClean="0"/>
+                <a:t>Weather(t-8)</a:t>
+              </a:r>
+              <a:endParaRPr lang="en-US" sz="2400" b="1" dirty="0"/>
+            </a:p>
+          </p:txBody>
+        </p:sp>
+      </p:grpSp>
     </p:spTree>
     <p:extLst>
       <p:ext uri="{BB962C8B-B14F-4D97-AF65-F5344CB8AC3E}">
@@ -5803,7 +5842,7 @@
   <p:timing>
     <p:tnLst>
       <p:par>
-        <p:cTn xmlns:p14="http://schemas.microsoft.com/office/powerpoint/2010/main" id="1" dur="indefinite" restart="never" nodeType="tmRoot"/>
+        <p:cTn id="1" dur="indefinite" restart="never" nodeType="tmRoot"/>
       </p:par>
     </p:tnLst>
   </p:timing>

--- a/Write-ups/FinalPresentation.pptx
+++ b/Write-ups/FinalPresentation.pptx
@@ -288,7 +288,7 @@
           <a:p>
             <a:fld id="{C4EEF32B-FBB3-0645-BD71-292A30FC7C81}" type="datetimeFigureOut">
               <a:rPr lang="en-US" smtClean="0"/>
-              <a:t>11/17/2014</a:t>
+              <a:t>11/21/2014</a:t>
             </a:fld>
             <a:endParaRPr lang="en-US"/>
           </a:p>
@@ -458,7 +458,7 @@
           <a:p>
             <a:fld id="{C4EEF32B-FBB3-0645-BD71-292A30FC7C81}" type="datetimeFigureOut">
               <a:rPr lang="en-US" smtClean="0"/>
-              <a:t>11/17/2014</a:t>
+              <a:t>11/21/2014</a:t>
             </a:fld>
             <a:endParaRPr lang="en-US"/>
           </a:p>
@@ -638,7 +638,7 @@
           <a:p>
             <a:fld id="{C4EEF32B-FBB3-0645-BD71-292A30FC7C81}" type="datetimeFigureOut">
               <a:rPr lang="en-US" smtClean="0"/>
-              <a:t>11/17/2014</a:t>
+              <a:t>11/21/2014</a:t>
             </a:fld>
             <a:endParaRPr lang="en-US"/>
           </a:p>
@@ -808,7 +808,7 @@
           <a:p>
             <a:fld id="{C4EEF32B-FBB3-0645-BD71-292A30FC7C81}" type="datetimeFigureOut">
               <a:rPr lang="en-US" smtClean="0"/>
-              <a:t>11/17/2014</a:t>
+              <a:t>11/21/2014</a:t>
             </a:fld>
             <a:endParaRPr lang="en-US"/>
           </a:p>
@@ -1054,7 +1054,7 @@
           <a:p>
             <a:fld id="{C4EEF32B-FBB3-0645-BD71-292A30FC7C81}" type="datetimeFigureOut">
               <a:rPr lang="en-US" smtClean="0"/>
-              <a:t>11/17/2014</a:t>
+              <a:t>11/21/2014</a:t>
             </a:fld>
             <a:endParaRPr lang="en-US"/>
           </a:p>
@@ -1342,7 +1342,7 @@
           <a:p>
             <a:fld id="{C4EEF32B-FBB3-0645-BD71-292A30FC7C81}" type="datetimeFigureOut">
               <a:rPr lang="en-US" smtClean="0"/>
-              <a:t>11/17/2014</a:t>
+              <a:t>11/21/2014</a:t>
             </a:fld>
             <a:endParaRPr lang="en-US"/>
           </a:p>
@@ -1764,7 +1764,7 @@
           <a:p>
             <a:fld id="{C4EEF32B-FBB3-0645-BD71-292A30FC7C81}" type="datetimeFigureOut">
               <a:rPr lang="en-US" smtClean="0"/>
-              <a:t>11/17/2014</a:t>
+              <a:t>11/21/2014</a:t>
             </a:fld>
             <a:endParaRPr lang="en-US"/>
           </a:p>
@@ -1882,7 +1882,7 @@
           <a:p>
             <a:fld id="{C4EEF32B-FBB3-0645-BD71-292A30FC7C81}" type="datetimeFigureOut">
               <a:rPr lang="en-US" smtClean="0"/>
-              <a:t>11/17/2014</a:t>
+              <a:t>11/21/2014</a:t>
             </a:fld>
             <a:endParaRPr lang="en-US"/>
           </a:p>
@@ -1977,7 +1977,7 @@
           <a:p>
             <a:fld id="{C4EEF32B-FBB3-0645-BD71-292A30FC7C81}" type="datetimeFigureOut">
               <a:rPr lang="en-US" smtClean="0"/>
-              <a:t>11/17/2014</a:t>
+              <a:t>11/21/2014</a:t>
             </a:fld>
             <a:endParaRPr lang="en-US"/>
           </a:p>
@@ -2254,7 +2254,7 @@
           <a:p>
             <a:fld id="{C4EEF32B-FBB3-0645-BD71-292A30FC7C81}" type="datetimeFigureOut">
               <a:rPr lang="en-US" smtClean="0"/>
-              <a:t>11/17/2014</a:t>
+              <a:t>11/21/2014</a:t>
             </a:fld>
             <a:endParaRPr lang="en-US"/>
           </a:p>
@@ -2507,7 +2507,7 @@
           <a:p>
             <a:fld id="{C4EEF32B-FBB3-0645-BD71-292A30FC7C81}" type="datetimeFigureOut">
               <a:rPr lang="en-US" smtClean="0"/>
-              <a:t>11/17/2014</a:t>
+              <a:t>11/21/2014</a:t>
             </a:fld>
             <a:endParaRPr lang="en-US"/>
           </a:p>
@@ -2720,7 +2720,7 @@
           <a:p>
             <a:fld id="{C4EEF32B-FBB3-0645-BD71-292A30FC7C81}" type="datetimeFigureOut">
               <a:rPr lang="en-US" smtClean="0"/>
-              <a:t>11/17/2014</a:t>
+              <a:t>11/21/2014</a:t>
             </a:fld>
             <a:endParaRPr lang="en-US"/>
           </a:p>
@@ -3103,10 +3103,10 @@
         </p:nvGrpSpPr>
         <p:grpSpPr>
           <a:xfrm>
-            <a:off x="0" y="1294881"/>
-            <a:ext cx="9491338" cy="4910511"/>
-            <a:chOff x="0" y="1294881"/>
-            <a:chExt cx="9491338" cy="4910511"/>
+            <a:off x="353961" y="1294881"/>
+            <a:ext cx="8213161" cy="4910511"/>
+            <a:chOff x="328621" y="1294881"/>
+            <a:chExt cx="8213161" cy="4910511"/>
           </a:xfrm>
         </p:grpSpPr>
         <p:grpSp>
@@ -3117,10 +3117,10 @@
           </p:nvGrpSpPr>
           <p:grpSpPr>
             <a:xfrm>
-              <a:off x="25340" y="1294881"/>
-              <a:ext cx="9465998" cy="4910511"/>
-              <a:chOff x="25340" y="1294881"/>
-              <a:chExt cx="9465998" cy="4910511"/>
+              <a:off x="328621" y="1294881"/>
+              <a:ext cx="8213161" cy="4910511"/>
+              <a:chOff x="328621" y="1294881"/>
+              <a:chExt cx="8213161" cy="4910511"/>
             </a:xfrm>
           </p:grpSpPr>
           <p:sp>
@@ -4786,8 +4786,8 @@
             </p:nvSpPr>
             <p:spPr>
               <a:xfrm>
-                <a:off x="150375" y="1801304"/>
-                <a:ext cx="1594283" cy="461665"/>
+                <a:off x="481062" y="1801304"/>
+                <a:ext cx="712054" cy="461665"/>
               </a:xfrm>
               <a:prstGeom prst="rect">
                 <a:avLst/>
@@ -4802,7 +4802,7 @@
               <a:p>
                 <a:r>
                   <a:rPr lang="en-US" sz="2400" b="1" dirty="0" smtClean="0"/>
-                  <a:t>Weather(t)</a:t>
+                  <a:t>X(n)</a:t>
                 </a:r>
                 <a:endParaRPr lang="en-US" sz="2400" b="1" dirty="0"/>
               </a:p>
@@ -4816,8 +4816,8 @@
             </p:nvSpPr>
             <p:spPr>
               <a:xfrm>
-                <a:off x="25340" y="3412471"/>
-                <a:ext cx="1844351" cy="461665"/>
+                <a:off x="328621" y="3412471"/>
+                <a:ext cx="962123" cy="461665"/>
               </a:xfrm>
               <a:prstGeom prst="rect">
                 <a:avLst/>
@@ -4832,7 +4832,7 @@
               <a:p>
                 <a:r>
                   <a:rPr lang="en-US" sz="2400" b="1" dirty="0" smtClean="0"/>
-                  <a:t>Weather(t-4)</a:t>
+                  <a:t>X(n-6)</a:t>
                 </a:r>
                 <a:endParaRPr lang="en-US" sz="2400" b="1" dirty="0"/>
               </a:p>
@@ -5717,7 +5717,7 @@
             <p:spPr>
               <a:xfrm>
                 <a:off x="7587675" y="1716109"/>
-                <a:ext cx="1903663" cy="461665"/>
+                <a:ext cx="954107" cy="461665"/>
               </a:xfrm>
               <a:prstGeom prst="rect">
                 <a:avLst/>
@@ -5731,8 +5731,12 @@
               <a:lstStyle/>
               <a:p>
                 <a:r>
+                  <a:rPr lang="en-US" sz="2400" b="1" smtClean="0"/>
+                  <a:t>Y(t+1</a:t>
+                </a:r>
+                <a:r>
                   <a:rPr lang="en-US" sz="2400" b="1" dirty="0" smtClean="0"/>
-                  <a:t>Weather(t+1)</a:t>
+                  <a:t>)</a:t>
                 </a:r>
               </a:p>
             </p:txBody>
@@ -5806,8 +5810,8 @@
           </p:nvSpPr>
           <p:spPr>
             <a:xfrm>
-              <a:off x="0" y="5041181"/>
-              <a:ext cx="1844351" cy="461665"/>
+              <a:off x="419977" y="5083126"/>
+              <a:ext cx="962123" cy="461665"/>
             </a:xfrm>
             <a:prstGeom prst="rect">
               <a:avLst/>
@@ -5822,13 +5826,43 @@
             <a:p>
               <a:r>
                 <a:rPr lang="en-US" sz="2400" b="1" dirty="0" smtClean="0"/>
-                <a:t>Weather(t-8)</a:t>
+                <a:t>X(n-7)</a:t>
               </a:r>
               <a:endParaRPr lang="en-US" sz="2400" b="1" dirty="0"/>
             </a:p>
           </p:txBody>
         </p:sp>
       </p:grpSp>
+      <p:sp>
+        <p:nvSpPr>
+          <p:cNvPr id="2" name="TextBox 1"/>
+          <p:cNvSpPr txBox="1"/>
+          <p:nvPr/>
+        </p:nvSpPr>
+        <p:spPr>
+          <a:xfrm>
+            <a:off x="353961" y="2393368"/>
+            <a:ext cx="152441" cy="584775"/>
+          </a:xfrm>
+          <a:prstGeom prst="rect">
+            <a:avLst/>
+          </a:prstGeom>
+          <a:noFill/>
+        </p:spPr>
+        <p:txBody>
+          <a:bodyPr wrap="square" rtlCol="0">
+            <a:spAutoFit/>
+          </a:bodyPr>
+          <a:lstStyle/>
+          <a:p>
+            <a:r>
+              <a:rPr lang="en-US" sz="3200" dirty="0" smtClean="0"/>
+              <a:t>…</a:t>
+            </a:r>
+            <a:endParaRPr lang="en-US" sz="3200" dirty="0"/>
+          </a:p>
+        </p:txBody>
+      </p:sp>
     </p:spTree>
     <p:extLst>
       <p:ext uri="{BB962C8B-B14F-4D97-AF65-F5344CB8AC3E}">
